--- a/antigenic_evolution/plots/figures/figure5.pptx
+++ b/antigenic_evolution/plots/figures/figure5.pptx
@@ -2,19 +2,19 @@
 <file path=ppt/presentation.xml><?xml version="1.0" encoding="utf-8"?>
 <p:presentation xmlns:a="http://schemas.openxmlformats.org/drawingml/2006/main" xmlns:r="http://schemas.openxmlformats.org/officeDocument/2006/relationships" xmlns:p="http://schemas.openxmlformats.org/presentationml/2006/main" saveSubsetFonts="1" autoCompressPictures="0">
   <p:sldMasterIdLst>
-    <p:sldMasterId id="2147483684" r:id="rId1"/>
+    <p:sldMasterId id="2147483660" r:id="rId1"/>
   </p:sldMasterIdLst>
   <p:sldIdLst>
     <p:sldId id="256" r:id="rId2"/>
   </p:sldIdLst>
-  <p:sldSz cx="7772400" cy="7315200"/>
+  <p:sldSz cx="10058400" cy="6400800"/>
   <p:notesSz cx="6858000" cy="9144000"/>
   <p:defaultTextStyle>
     <a:defPPr>
       <a:defRPr lang="en-US"/>
     </a:defPPr>
-    <a:lvl1pPr marL="0" algn="l" defTabSz="914400" rtl="0" eaLnBrk="1" latinLnBrk="0" hangingPunct="1">
-      <a:defRPr sz="1800" kern="1200">
+    <a:lvl1pPr marL="0" algn="l" defTabSz="790042" rtl="0" eaLnBrk="1" latinLnBrk="0" hangingPunct="1">
+      <a:defRPr sz="1555" kern="1200">
         <a:solidFill>
           <a:schemeClr val="tx1"/>
         </a:solidFill>
@@ -23,8 +23,8 @@
         <a:cs typeface="+mn-cs"/>
       </a:defRPr>
     </a:lvl1pPr>
-    <a:lvl2pPr marL="457200" algn="l" defTabSz="914400" rtl="0" eaLnBrk="1" latinLnBrk="0" hangingPunct="1">
-      <a:defRPr sz="1800" kern="1200">
+    <a:lvl2pPr marL="395021" algn="l" defTabSz="790042" rtl="0" eaLnBrk="1" latinLnBrk="0" hangingPunct="1">
+      <a:defRPr sz="1555" kern="1200">
         <a:solidFill>
           <a:schemeClr val="tx1"/>
         </a:solidFill>
@@ -33,8 +33,8 @@
         <a:cs typeface="+mn-cs"/>
       </a:defRPr>
     </a:lvl2pPr>
-    <a:lvl3pPr marL="914400" algn="l" defTabSz="914400" rtl="0" eaLnBrk="1" latinLnBrk="0" hangingPunct="1">
-      <a:defRPr sz="1800" kern="1200">
+    <a:lvl3pPr marL="790042" algn="l" defTabSz="790042" rtl="0" eaLnBrk="1" latinLnBrk="0" hangingPunct="1">
+      <a:defRPr sz="1555" kern="1200">
         <a:solidFill>
           <a:schemeClr val="tx1"/>
         </a:solidFill>
@@ -43,8 +43,8 @@
         <a:cs typeface="+mn-cs"/>
       </a:defRPr>
     </a:lvl3pPr>
-    <a:lvl4pPr marL="1371600" algn="l" defTabSz="914400" rtl="0" eaLnBrk="1" latinLnBrk="0" hangingPunct="1">
-      <a:defRPr sz="1800" kern="1200">
+    <a:lvl4pPr marL="1185062" algn="l" defTabSz="790042" rtl="0" eaLnBrk="1" latinLnBrk="0" hangingPunct="1">
+      <a:defRPr sz="1555" kern="1200">
         <a:solidFill>
           <a:schemeClr val="tx1"/>
         </a:solidFill>
@@ -53,8 +53,8 @@
         <a:cs typeface="+mn-cs"/>
       </a:defRPr>
     </a:lvl4pPr>
-    <a:lvl5pPr marL="1828800" algn="l" defTabSz="914400" rtl="0" eaLnBrk="1" latinLnBrk="0" hangingPunct="1">
-      <a:defRPr sz="1800" kern="1200">
+    <a:lvl5pPr marL="1580083" algn="l" defTabSz="790042" rtl="0" eaLnBrk="1" latinLnBrk="0" hangingPunct="1">
+      <a:defRPr sz="1555" kern="1200">
         <a:solidFill>
           <a:schemeClr val="tx1"/>
         </a:solidFill>
@@ -63,8 +63,8 @@
         <a:cs typeface="+mn-cs"/>
       </a:defRPr>
     </a:lvl5pPr>
-    <a:lvl6pPr marL="2286000" algn="l" defTabSz="914400" rtl="0" eaLnBrk="1" latinLnBrk="0" hangingPunct="1">
-      <a:defRPr sz="1800" kern="1200">
+    <a:lvl6pPr marL="1975104" algn="l" defTabSz="790042" rtl="0" eaLnBrk="1" latinLnBrk="0" hangingPunct="1">
+      <a:defRPr sz="1555" kern="1200">
         <a:solidFill>
           <a:schemeClr val="tx1"/>
         </a:solidFill>
@@ -73,8 +73,8 @@
         <a:cs typeface="+mn-cs"/>
       </a:defRPr>
     </a:lvl6pPr>
-    <a:lvl7pPr marL="2743200" algn="l" defTabSz="914400" rtl="0" eaLnBrk="1" latinLnBrk="0" hangingPunct="1">
-      <a:defRPr sz="1800" kern="1200">
+    <a:lvl7pPr marL="2370125" algn="l" defTabSz="790042" rtl="0" eaLnBrk="1" latinLnBrk="0" hangingPunct="1">
+      <a:defRPr sz="1555" kern="1200">
         <a:solidFill>
           <a:schemeClr val="tx1"/>
         </a:solidFill>
@@ -83,8 +83,8 @@
         <a:cs typeface="+mn-cs"/>
       </a:defRPr>
     </a:lvl7pPr>
-    <a:lvl8pPr marL="3200400" algn="l" defTabSz="914400" rtl="0" eaLnBrk="1" latinLnBrk="0" hangingPunct="1">
-      <a:defRPr sz="1800" kern="1200">
+    <a:lvl8pPr marL="2765146" algn="l" defTabSz="790042" rtl="0" eaLnBrk="1" latinLnBrk="0" hangingPunct="1">
+      <a:defRPr sz="1555" kern="1200">
         <a:solidFill>
           <a:schemeClr val="tx1"/>
         </a:solidFill>
@@ -93,8 +93,8 @@
         <a:cs typeface="+mn-cs"/>
       </a:defRPr>
     </a:lvl8pPr>
-    <a:lvl9pPr marL="3657600" algn="l" defTabSz="914400" rtl="0" eaLnBrk="1" latinLnBrk="0" hangingPunct="1">
-      <a:defRPr sz="1800" kern="1200">
+    <a:lvl9pPr marL="3160166" algn="l" defTabSz="790042" rtl="0" eaLnBrk="1" latinLnBrk="0" hangingPunct="1">
+      <a:defRPr sz="1555" kern="1200">
         <a:solidFill>
           <a:schemeClr val="tx1"/>
         </a:solidFill>
@@ -104,6 +104,11 @@
       </a:defRPr>
     </a:lvl9pPr>
   </p:defaultTextStyle>
+  <p:extLst>
+    <p:ext uri="{EFAFB233-063F-42B5-8137-9DF3F51BA10A}">
+      <p15:sldGuideLst xmlns:p15="http://schemas.microsoft.com/office/powerpoint/2012/main"/>
+    </p:ext>
+  </p:extLst>
 </p:presentation>
 </file>
 
@@ -136,15 +141,15 @@
         </p:nvSpPr>
         <p:spPr>
           <a:xfrm>
-            <a:off x="582930" y="1197187"/>
-            <a:ext cx="6606540" cy="2546773"/>
+            <a:off x="1257300" y="1047539"/>
+            <a:ext cx="7543800" cy="2228427"/>
           </a:xfrm>
         </p:spPr>
         <p:txBody>
           <a:bodyPr anchor="b"/>
           <a:lstStyle>
             <a:lvl1pPr algn="ctr">
-              <a:defRPr sz="5100"/>
+              <a:defRPr sz="4950"/>
             </a:lvl1pPr>
           </a:lstStyle>
           <a:p>
@@ -168,8 +173,8 @@
         </p:nvSpPr>
         <p:spPr>
           <a:xfrm>
-            <a:off x="971550" y="3842174"/>
-            <a:ext cx="5829300" cy="1766146"/>
+            <a:off x="1257300" y="3361902"/>
+            <a:ext cx="7543800" cy="1545378"/>
           </a:xfrm>
         </p:spPr>
         <p:txBody>
@@ -177,39 +182,39 @@
           <a:lstStyle>
             <a:lvl1pPr marL="0" indent="0" algn="ctr">
               <a:buNone/>
-              <a:defRPr sz="2040"/>
+              <a:defRPr sz="1980"/>
             </a:lvl1pPr>
-            <a:lvl2pPr marL="388620" indent="0" algn="ctr">
-              <a:buNone/>
-              <a:defRPr sz="1700"/>
+            <a:lvl2pPr marL="377190" indent="0" algn="ctr">
+              <a:buNone/>
+              <a:defRPr sz="1650"/>
             </a:lvl2pPr>
-            <a:lvl3pPr marL="777240" indent="0" algn="ctr">
-              <a:buNone/>
-              <a:defRPr sz="1530"/>
+            <a:lvl3pPr marL="754380" indent="0" algn="ctr">
+              <a:buNone/>
+              <a:defRPr sz="1485"/>
             </a:lvl3pPr>
-            <a:lvl4pPr marL="1165860" indent="0" algn="ctr">
-              <a:buNone/>
-              <a:defRPr sz="1360"/>
+            <a:lvl4pPr marL="1131570" indent="0" algn="ctr">
+              <a:buNone/>
+              <a:defRPr sz="1320"/>
             </a:lvl4pPr>
-            <a:lvl5pPr marL="1554480" indent="0" algn="ctr">
-              <a:buNone/>
-              <a:defRPr sz="1360"/>
+            <a:lvl5pPr marL="1508760" indent="0" algn="ctr">
+              <a:buNone/>
+              <a:defRPr sz="1320"/>
             </a:lvl5pPr>
-            <a:lvl6pPr marL="1943100" indent="0" algn="ctr">
-              <a:buNone/>
-              <a:defRPr sz="1360"/>
+            <a:lvl6pPr marL="1885950" indent="0" algn="ctr">
+              <a:buNone/>
+              <a:defRPr sz="1320"/>
             </a:lvl6pPr>
-            <a:lvl7pPr marL="2331720" indent="0" algn="ctr">
-              <a:buNone/>
-              <a:defRPr sz="1360"/>
+            <a:lvl7pPr marL="2263140" indent="0" algn="ctr">
+              <a:buNone/>
+              <a:defRPr sz="1320"/>
             </a:lvl7pPr>
-            <a:lvl8pPr marL="2720340" indent="0" algn="ctr">
-              <a:buNone/>
-              <a:defRPr sz="1360"/>
+            <a:lvl8pPr marL="2640330" indent="0" algn="ctr">
+              <a:buNone/>
+              <a:defRPr sz="1320"/>
             </a:lvl8pPr>
-            <a:lvl9pPr marL="3108960" indent="0" algn="ctr">
-              <a:buNone/>
-              <a:defRPr sz="1360"/>
+            <a:lvl9pPr marL="3017520" indent="0" algn="ctr">
+              <a:buNone/>
+              <a:defRPr sz="1320"/>
             </a:lvl9pPr>
           </a:lstStyle>
           <a:p>
@@ -236,9 +241,9 @@
           <a:bodyPr/>
           <a:lstStyle/>
           <a:p>
-            <a:fld id="{53E91FE3-8396-FD40-B368-74B8DB14621A}" type="datetimeFigureOut">
+            <a:fld id="{55C48555-5C1B-394F-AB41-C753F83C5FA8}" type="datetimeFigureOut">
               <a:rPr lang="en-US" smtClean="0"/>
-              <a:t>9/4/20</a:t>
+              <a:t>9/11/20</a:t>
             </a:fld>
             <a:endParaRPr lang="en-US"/>
           </a:p>
@@ -278,7 +283,7 @@
           <a:bodyPr/>
           <a:lstStyle/>
           <a:p>
-            <a:fld id="{010721D8-496E-6F43-9E3E-C6E815745A45}" type="slidenum">
+            <a:fld id="{22483484-A61A-904E-9A1D-D704FCD83109}" type="slidenum">
               <a:rPr lang="en-US" smtClean="0"/>
               <a:t>‹#›</a:t>
             </a:fld>
@@ -289,7 +294,7 @@
     </p:spTree>
     <p:extLst>
       <p:ext uri="{BB962C8B-B14F-4D97-AF65-F5344CB8AC3E}">
-        <p14:creationId xmlns:p14="http://schemas.microsoft.com/office/powerpoint/2010/main" val="1936006205"/>
+        <p14:creationId xmlns:p14="http://schemas.microsoft.com/office/powerpoint/2010/main" val="639479672"/>
       </p:ext>
     </p:extLst>
   </p:cSld>
@@ -406,9 +411,9 @@
           <a:bodyPr/>
           <a:lstStyle/>
           <a:p>
-            <a:fld id="{53E91FE3-8396-FD40-B368-74B8DB14621A}" type="datetimeFigureOut">
+            <a:fld id="{55C48555-5C1B-394F-AB41-C753F83C5FA8}" type="datetimeFigureOut">
               <a:rPr lang="en-US" smtClean="0"/>
-              <a:t>9/4/20</a:t>
+              <a:t>9/11/20</a:t>
             </a:fld>
             <a:endParaRPr lang="en-US"/>
           </a:p>
@@ -448,7 +453,7 @@
           <a:bodyPr/>
           <a:lstStyle/>
           <a:p>
-            <a:fld id="{010721D8-496E-6F43-9E3E-C6E815745A45}" type="slidenum">
+            <a:fld id="{22483484-A61A-904E-9A1D-D704FCD83109}" type="slidenum">
               <a:rPr lang="en-US" smtClean="0"/>
               <a:t>‹#›</a:t>
             </a:fld>
@@ -459,7 +464,7 @@
     </p:spTree>
     <p:extLst>
       <p:ext uri="{BB962C8B-B14F-4D97-AF65-F5344CB8AC3E}">
-        <p14:creationId xmlns:p14="http://schemas.microsoft.com/office/powerpoint/2010/main" val="3194001208"/>
+        <p14:creationId xmlns:p14="http://schemas.microsoft.com/office/powerpoint/2010/main" val="496620731"/>
       </p:ext>
     </p:extLst>
   </p:cSld>
@@ -498,8 +503,8 @@
         </p:nvSpPr>
         <p:spPr>
           <a:xfrm>
-            <a:off x="5562124" y="389467"/>
-            <a:ext cx="1675924" cy="6199294"/>
+            <a:off x="7198042" y="340783"/>
+            <a:ext cx="2168843" cy="5424382"/>
           </a:xfrm>
         </p:spPr>
         <p:txBody>
@@ -526,8 +531,8 @@
         </p:nvSpPr>
         <p:spPr>
           <a:xfrm>
-            <a:off x="534353" y="389467"/>
-            <a:ext cx="4930616" cy="6199294"/>
+            <a:off x="691515" y="340783"/>
+            <a:ext cx="6380798" cy="5424382"/>
           </a:xfrm>
         </p:spPr>
         <p:txBody>
@@ -586,9 +591,9 @@
           <a:bodyPr/>
           <a:lstStyle/>
           <a:p>
-            <a:fld id="{53E91FE3-8396-FD40-B368-74B8DB14621A}" type="datetimeFigureOut">
+            <a:fld id="{55C48555-5C1B-394F-AB41-C753F83C5FA8}" type="datetimeFigureOut">
               <a:rPr lang="en-US" smtClean="0"/>
-              <a:t>9/4/20</a:t>
+              <a:t>9/11/20</a:t>
             </a:fld>
             <a:endParaRPr lang="en-US"/>
           </a:p>
@@ -628,7 +633,7 @@
           <a:bodyPr/>
           <a:lstStyle/>
           <a:p>
-            <a:fld id="{010721D8-496E-6F43-9E3E-C6E815745A45}" type="slidenum">
+            <a:fld id="{22483484-A61A-904E-9A1D-D704FCD83109}" type="slidenum">
               <a:rPr lang="en-US" smtClean="0"/>
               <a:t>‹#›</a:t>
             </a:fld>
@@ -639,7 +644,7 @@
     </p:spTree>
     <p:extLst>
       <p:ext uri="{BB962C8B-B14F-4D97-AF65-F5344CB8AC3E}">
-        <p14:creationId xmlns:p14="http://schemas.microsoft.com/office/powerpoint/2010/main" val="781912553"/>
+        <p14:creationId xmlns:p14="http://schemas.microsoft.com/office/powerpoint/2010/main" val="1654185029"/>
       </p:ext>
     </p:extLst>
   </p:cSld>
@@ -756,9 +761,9 @@
           <a:bodyPr/>
           <a:lstStyle/>
           <a:p>
-            <a:fld id="{53E91FE3-8396-FD40-B368-74B8DB14621A}" type="datetimeFigureOut">
+            <a:fld id="{55C48555-5C1B-394F-AB41-C753F83C5FA8}" type="datetimeFigureOut">
               <a:rPr lang="en-US" smtClean="0"/>
-              <a:t>9/4/20</a:t>
+              <a:t>9/11/20</a:t>
             </a:fld>
             <a:endParaRPr lang="en-US"/>
           </a:p>
@@ -798,7 +803,7 @@
           <a:bodyPr/>
           <a:lstStyle/>
           <a:p>
-            <a:fld id="{010721D8-496E-6F43-9E3E-C6E815745A45}" type="slidenum">
+            <a:fld id="{22483484-A61A-904E-9A1D-D704FCD83109}" type="slidenum">
               <a:rPr lang="en-US" smtClean="0"/>
               <a:t>‹#›</a:t>
             </a:fld>
@@ -809,7 +814,7 @@
     </p:spTree>
     <p:extLst>
       <p:ext uri="{BB962C8B-B14F-4D97-AF65-F5344CB8AC3E}">
-        <p14:creationId xmlns:p14="http://schemas.microsoft.com/office/powerpoint/2010/main" val="272461690"/>
+        <p14:creationId xmlns:p14="http://schemas.microsoft.com/office/powerpoint/2010/main" val="2696948428"/>
       </p:ext>
     </p:extLst>
   </p:cSld>
@@ -848,15 +853,15 @@
         </p:nvSpPr>
         <p:spPr>
           <a:xfrm>
-            <a:off x="530305" y="1823722"/>
-            <a:ext cx="6703695" cy="3042919"/>
+            <a:off x="686276" y="1595756"/>
+            <a:ext cx="8675370" cy="2662555"/>
           </a:xfrm>
         </p:spPr>
         <p:txBody>
           <a:bodyPr anchor="b"/>
           <a:lstStyle>
             <a:lvl1pPr>
-              <a:defRPr sz="5100"/>
+              <a:defRPr sz="4950"/>
             </a:lvl1pPr>
           </a:lstStyle>
           <a:p>
@@ -880,8 +885,8 @@
         </p:nvSpPr>
         <p:spPr>
           <a:xfrm>
-            <a:off x="530305" y="4895429"/>
-            <a:ext cx="6703695" cy="1600199"/>
+            <a:off x="686276" y="4283499"/>
+            <a:ext cx="8675370" cy="1400175"/>
           </a:xfrm>
         </p:spPr>
         <p:txBody>
@@ -889,15 +894,17 @@
           <a:lstStyle>
             <a:lvl1pPr marL="0" indent="0">
               <a:buNone/>
-              <a:defRPr sz="2040">
+              <a:defRPr sz="1980">
                 <a:solidFill>
-                  <a:schemeClr val="tx1"/>
+                  <a:schemeClr val="tx1">
+                    <a:tint val="75000"/>
+                  </a:schemeClr>
                 </a:solidFill>
               </a:defRPr>
             </a:lvl1pPr>
-            <a:lvl2pPr marL="388620" indent="0">
-              <a:buNone/>
-              <a:defRPr sz="1700">
+            <a:lvl2pPr marL="377190" indent="0">
+              <a:buNone/>
+              <a:defRPr sz="1650">
                 <a:solidFill>
                   <a:schemeClr val="tx1">
                     <a:tint val="75000"/>
@@ -905,9 +912,9 @@
                 </a:solidFill>
               </a:defRPr>
             </a:lvl2pPr>
-            <a:lvl3pPr marL="777240" indent="0">
-              <a:buNone/>
-              <a:defRPr sz="1530">
+            <a:lvl3pPr marL="754380" indent="0">
+              <a:buNone/>
+              <a:defRPr sz="1485">
                 <a:solidFill>
                   <a:schemeClr val="tx1">
                     <a:tint val="75000"/>
@@ -915,9 +922,9 @@
                 </a:solidFill>
               </a:defRPr>
             </a:lvl3pPr>
-            <a:lvl4pPr marL="1165860" indent="0">
-              <a:buNone/>
-              <a:defRPr sz="1360">
+            <a:lvl4pPr marL="1131570" indent="0">
+              <a:buNone/>
+              <a:defRPr sz="1320">
                 <a:solidFill>
                   <a:schemeClr val="tx1">
                     <a:tint val="75000"/>
@@ -925,9 +932,9 @@
                 </a:solidFill>
               </a:defRPr>
             </a:lvl4pPr>
-            <a:lvl5pPr marL="1554480" indent="0">
-              <a:buNone/>
-              <a:defRPr sz="1360">
+            <a:lvl5pPr marL="1508760" indent="0">
+              <a:buNone/>
+              <a:defRPr sz="1320">
                 <a:solidFill>
                   <a:schemeClr val="tx1">
                     <a:tint val="75000"/>
@@ -935,9 +942,9 @@
                 </a:solidFill>
               </a:defRPr>
             </a:lvl5pPr>
-            <a:lvl6pPr marL="1943100" indent="0">
-              <a:buNone/>
-              <a:defRPr sz="1360">
+            <a:lvl6pPr marL="1885950" indent="0">
+              <a:buNone/>
+              <a:defRPr sz="1320">
                 <a:solidFill>
                   <a:schemeClr val="tx1">
                     <a:tint val="75000"/>
@@ -945,9 +952,9 @@
                 </a:solidFill>
               </a:defRPr>
             </a:lvl6pPr>
-            <a:lvl7pPr marL="2331720" indent="0">
-              <a:buNone/>
-              <a:defRPr sz="1360">
+            <a:lvl7pPr marL="2263140" indent="0">
+              <a:buNone/>
+              <a:defRPr sz="1320">
                 <a:solidFill>
                   <a:schemeClr val="tx1">
                     <a:tint val="75000"/>
@@ -955,9 +962,9 @@
                 </a:solidFill>
               </a:defRPr>
             </a:lvl7pPr>
-            <a:lvl8pPr marL="2720340" indent="0">
-              <a:buNone/>
-              <a:defRPr sz="1360">
+            <a:lvl8pPr marL="2640330" indent="0">
+              <a:buNone/>
+              <a:defRPr sz="1320">
                 <a:solidFill>
                   <a:schemeClr val="tx1">
                     <a:tint val="75000"/>
@@ -965,9 +972,9 @@
                 </a:solidFill>
               </a:defRPr>
             </a:lvl8pPr>
-            <a:lvl9pPr marL="3108960" indent="0">
-              <a:buNone/>
-              <a:defRPr sz="1360">
+            <a:lvl9pPr marL="3017520" indent="0">
+              <a:buNone/>
+              <a:defRPr sz="1320">
                 <a:solidFill>
                   <a:schemeClr val="tx1">
                     <a:tint val="75000"/>
@@ -1000,9 +1007,9 @@
           <a:bodyPr/>
           <a:lstStyle/>
           <a:p>
-            <a:fld id="{53E91FE3-8396-FD40-B368-74B8DB14621A}" type="datetimeFigureOut">
+            <a:fld id="{55C48555-5C1B-394F-AB41-C753F83C5FA8}" type="datetimeFigureOut">
               <a:rPr lang="en-US" smtClean="0"/>
-              <a:t>9/4/20</a:t>
+              <a:t>9/11/20</a:t>
             </a:fld>
             <a:endParaRPr lang="en-US"/>
           </a:p>
@@ -1042,7 +1049,7 @@
           <a:bodyPr/>
           <a:lstStyle/>
           <a:p>
-            <a:fld id="{010721D8-496E-6F43-9E3E-C6E815745A45}" type="slidenum">
+            <a:fld id="{22483484-A61A-904E-9A1D-D704FCD83109}" type="slidenum">
               <a:rPr lang="en-US" smtClean="0"/>
               <a:t>‹#›</a:t>
             </a:fld>
@@ -1053,7 +1060,7 @@
     </p:spTree>
     <p:extLst>
       <p:ext uri="{BB962C8B-B14F-4D97-AF65-F5344CB8AC3E}">
-        <p14:creationId xmlns:p14="http://schemas.microsoft.com/office/powerpoint/2010/main" val="131371432"/>
+        <p14:creationId xmlns:p14="http://schemas.microsoft.com/office/powerpoint/2010/main" val="1102370560"/>
       </p:ext>
     </p:extLst>
   </p:cSld>
@@ -1115,8 +1122,8 @@
         </p:nvSpPr>
         <p:spPr>
           <a:xfrm>
-            <a:off x="534353" y="1947333"/>
-            <a:ext cx="3303270" cy="4641427"/>
+            <a:off x="691515" y="1703917"/>
+            <a:ext cx="4274820" cy="4061249"/>
           </a:xfrm>
         </p:spPr>
         <p:txBody>
@@ -1172,8 +1179,8 @@
         </p:nvSpPr>
         <p:spPr>
           <a:xfrm>
-            <a:off x="3934778" y="1947333"/>
-            <a:ext cx="3303270" cy="4641427"/>
+            <a:off x="5092065" y="1703917"/>
+            <a:ext cx="4274820" cy="4061249"/>
           </a:xfrm>
         </p:spPr>
         <p:txBody>
@@ -1232,9 +1239,9 @@
           <a:bodyPr/>
           <a:lstStyle/>
           <a:p>
-            <a:fld id="{53E91FE3-8396-FD40-B368-74B8DB14621A}" type="datetimeFigureOut">
+            <a:fld id="{55C48555-5C1B-394F-AB41-C753F83C5FA8}" type="datetimeFigureOut">
               <a:rPr lang="en-US" smtClean="0"/>
-              <a:t>9/4/20</a:t>
+              <a:t>9/11/20</a:t>
             </a:fld>
             <a:endParaRPr lang="en-US"/>
           </a:p>
@@ -1274,7 +1281,7 @@
           <a:bodyPr/>
           <a:lstStyle/>
           <a:p>
-            <a:fld id="{010721D8-496E-6F43-9E3E-C6E815745A45}" type="slidenum">
+            <a:fld id="{22483484-A61A-904E-9A1D-D704FCD83109}" type="slidenum">
               <a:rPr lang="en-US" smtClean="0"/>
               <a:t>‹#›</a:t>
             </a:fld>
@@ -1285,7 +1292,7 @@
     </p:spTree>
     <p:extLst>
       <p:ext uri="{BB962C8B-B14F-4D97-AF65-F5344CB8AC3E}">
-        <p14:creationId xmlns:p14="http://schemas.microsoft.com/office/powerpoint/2010/main" val="1277932807"/>
+        <p14:creationId xmlns:p14="http://schemas.microsoft.com/office/powerpoint/2010/main" val="1076441220"/>
       </p:ext>
     </p:extLst>
   </p:cSld>
@@ -1324,8 +1331,8 @@
         </p:nvSpPr>
         <p:spPr>
           <a:xfrm>
-            <a:off x="535365" y="389468"/>
-            <a:ext cx="6703695" cy="1413934"/>
+            <a:off x="692825" y="340784"/>
+            <a:ext cx="8675370" cy="1237192"/>
           </a:xfrm>
         </p:spPr>
         <p:txBody>
@@ -1352,8 +1359,8 @@
         </p:nvSpPr>
         <p:spPr>
           <a:xfrm>
-            <a:off x="535366" y="1793241"/>
-            <a:ext cx="3288089" cy="878839"/>
+            <a:off x="692826" y="1569085"/>
+            <a:ext cx="4255174" cy="768985"/>
           </a:xfrm>
         </p:spPr>
         <p:txBody>
@@ -1361,39 +1368,39 @@
           <a:lstStyle>
             <a:lvl1pPr marL="0" indent="0">
               <a:buNone/>
-              <a:defRPr sz="2040" b="1"/>
+              <a:defRPr sz="1980" b="1"/>
             </a:lvl1pPr>
-            <a:lvl2pPr marL="388620" indent="0">
-              <a:buNone/>
-              <a:defRPr sz="1700" b="1"/>
+            <a:lvl2pPr marL="377190" indent="0">
+              <a:buNone/>
+              <a:defRPr sz="1650" b="1"/>
             </a:lvl2pPr>
-            <a:lvl3pPr marL="777240" indent="0">
-              <a:buNone/>
-              <a:defRPr sz="1530" b="1"/>
+            <a:lvl3pPr marL="754380" indent="0">
+              <a:buNone/>
+              <a:defRPr sz="1485" b="1"/>
             </a:lvl3pPr>
-            <a:lvl4pPr marL="1165860" indent="0">
-              <a:buNone/>
-              <a:defRPr sz="1360" b="1"/>
+            <a:lvl4pPr marL="1131570" indent="0">
+              <a:buNone/>
+              <a:defRPr sz="1320" b="1"/>
             </a:lvl4pPr>
-            <a:lvl5pPr marL="1554480" indent="0">
-              <a:buNone/>
-              <a:defRPr sz="1360" b="1"/>
+            <a:lvl5pPr marL="1508760" indent="0">
+              <a:buNone/>
+              <a:defRPr sz="1320" b="1"/>
             </a:lvl5pPr>
-            <a:lvl6pPr marL="1943100" indent="0">
-              <a:buNone/>
-              <a:defRPr sz="1360" b="1"/>
+            <a:lvl6pPr marL="1885950" indent="0">
+              <a:buNone/>
+              <a:defRPr sz="1320" b="1"/>
             </a:lvl6pPr>
-            <a:lvl7pPr marL="2331720" indent="0">
-              <a:buNone/>
-              <a:defRPr sz="1360" b="1"/>
+            <a:lvl7pPr marL="2263140" indent="0">
+              <a:buNone/>
+              <a:defRPr sz="1320" b="1"/>
             </a:lvl7pPr>
-            <a:lvl8pPr marL="2720340" indent="0">
-              <a:buNone/>
-              <a:defRPr sz="1360" b="1"/>
+            <a:lvl8pPr marL="2640330" indent="0">
+              <a:buNone/>
+              <a:defRPr sz="1320" b="1"/>
             </a:lvl8pPr>
-            <a:lvl9pPr marL="3108960" indent="0">
-              <a:buNone/>
-              <a:defRPr sz="1360" b="1"/>
+            <a:lvl9pPr marL="3017520" indent="0">
+              <a:buNone/>
+              <a:defRPr sz="1320" b="1"/>
             </a:lvl9pPr>
           </a:lstStyle>
           <a:p>
@@ -1417,8 +1424,8 @@
         </p:nvSpPr>
         <p:spPr>
           <a:xfrm>
-            <a:off x="535366" y="2672080"/>
-            <a:ext cx="3288089" cy="3930227"/>
+            <a:off x="692826" y="2338070"/>
+            <a:ext cx="4255174" cy="3438949"/>
           </a:xfrm>
         </p:spPr>
         <p:txBody>
@@ -1474,8 +1481,8 @@
         </p:nvSpPr>
         <p:spPr>
           <a:xfrm>
-            <a:off x="3934778" y="1793241"/>
-            <a:ext cx="3304282" cy="878839"/>
+            <a:off x="5092065" y="1569085"/>
+            <a:ext cx="4276130" cy="768985"/>
           </a:xfrm>
         </p:spPr>
         <p:txBody>
@@ -1483,39 +1490,39 @@
           <a:lstStyle>
             <a:lvl1pPr marL="0" indent="0">
               <a:buNone/>
-              <a:defRPr sz="2040" b="1"/>
+              <a:defRPr sz="1980" b="1"/>
             </a:lvl1pPr>
-            <a:lvl2pPr marL="388620" indent="0">
-              <a:buNone/>
-              <a:defRPr sz="1700" b="1"/>
+            <a:lvl2pPr marL="377190" indent="0">
+              <a:buNone/>
+              <a:defRPr sz="1650" b="1"/>
             </a:lvl2pPr>
-            <a:lvl3pPr marL="777240" indent="0">
-              <a:buNone/>
-              <a:defRPr sz="1530" b="1"/>
+            <a:lvl3pPr marL="754380" indent="0">
+              <a:buNone/>
+              <a:defRPr sz="1485" b="1"/>
             </a:lvl3pPr>
-            <a:lvl4pPr marL="1165860" indent="0">
-              <a:buNone/>
-              <a:defRPr sz="1360" b="1"/>
+            <a:lvl4pPr marL="1131570" indent="0">
+              <a:buNone/>
+              <a:defRPr sz="1320" b="1"/>
             </a:lvl4pPr>
-            <a:lvl5pPr marL="1554480" indent="0">
-              <a:buNone/>
-              <a:defRPr sz="1360" b="1"/>
+            <a:lvl5pPr marL="1508760" indent="0">
+              <a:buNone/>
+              <a:defRPr sz="1320" b="1"/>
             </a:lvl5pPr>
-            <a:lvl6pPr marL="1943100" indent="0">
-              <a:buNone/>
-              <a:defRPr sz="1360" b="1"/>
+            <a:lvl6pPr marL="1885950" indent="0">
+              <a:buNone/>
+              <a:defRPr sz="1320" b="1"/>
             </a:lvl6pPr>
-            <a:lvl7pPr marL="2331720" indent="0">
-              <a:buNone/>
-              <a:defRPr sz="1360" b="1"/>
+            <a:lvl7pPr marL="2263140" indent="0">
+              <a:buNone/>
+              <a:defRPr sz="1320" b="1"/>
             </a:lvl7pPr>
-            <a:lvl8pPr marL="2720340" indent="0">
-              <a:buNone/>
-              <a:defRPr sz="1360" b="1"/>
+            <a:lvl8pPr marL="2640330" indent="0">
+              <a:buNone/>
+              <a:defRPr sz="1320" b="1"/>
             </a:lvl8pPr>
-            <a:lvl9pPr marL="3108960" indent="0">
-              <a:buNone/>
-              <a:defRPr sz="1360" b="1"/>
+            <a:lvl9pPr marL="3017520" indent="0">
+              <a:buNone/>
+              <a:defRPr sz="1320" b="1"/>
             </a:lvl9pPr>
           </a:lstStyle>
           <a:p>
@@ -1539,8 +1546,8 @@
         </p:nvSpPr>
         <p:spPr>
           <a:xfrm>
-            <a:off x="3934778" y="2672080"/>
-            <a:ext cx="3304282" cy="3930227"/>
+            <a:off x="5092065" y="2338070"/>
+            <a:ext cx="4276130" cy="3438949"/>
           </a:xfrm>
         </p:spPr>
         <p:txBody>
@@ -1599,9 +1606,9 @@
           <a:bodyPr/>
           <a:lstStyle/>
           <a:p>
-            <a:fld id="{53E91FE3-8396-FD40-B368-74B8DB14621A}" type="datetimeFigureOut">
+            <a:fld id="{55C48555-5C1B-394F-AB41-C753F83C5FA8}" type="datetimeFigureOut">
               <a:rPr lang="en-US" smtClean="0"/>
-              <a:t>9/4/20</a:t>
+              <a:t>9/11/20</a:t>
             </a:fld>
             <a:endParaRPr lang="en-US"/>
           </a:p>
@@ -1641,7 +1648,7 @@
           <a:bodyPr/>
           <a:lstStyle/>
           <a:p>
-            <a:fld id="{010721D8-496E-6F43-9E3E-C6E815745A45}" type="slidenum">
+            <a:fld id="{22483484-A61A-904E-9A1D-D704FCD83109}" type="slidenum">
               <a:rPr lang="en-US" smtClean="0"/>
               <a:t>‹#›</a:t>
             </a:fld>
@@ -1652,7 +1659,7 @@
     </p:spTree>
     <p:extLst>
       <p:ext uri="{BB962C8B-B14F-4D97-AF65-F5344CB8AC3E}">
-        <p14:creationId xmlns:p14="http://schemas.microsoft.com/office/powerpoint/2010/main" val="3347941682"/>
+        <p14:creationId xmlns:p14="http://schemas.microsoft.com/office/powerpoint/2010/main" val="3359601075"/>
       </p:ext>
     </p:extLst>
   </p:cSld>
@@ -1717,9 +1724,9 @@
           <a:bodyPr/>
           <a:lstStyle/>
           <a:p>
-            <a:fld id="{53E91FE3-8396-FD40-B368-74B8DB14621A}" type="datetimeFigureOut">
+            <a:fld id="{55C48555-5C1B-394F-AB41-C753F83C5FA8}" type="datetimeFigureOut">
               <a:rPr lang="en-US" smtClean="0"/>
-              <a:t>9/4/20</a:t>
+              <a:t>9/11/20</a:t>
             </a:fld>
             <a:endParaRPr lang="en-US"/>
           </a:p>
@@ -1759,7 +1766,7 @@
           <a:bodyPr/>
           <a:lstStyle/>
           <a:p>
-            <a:fld id="{010721D8-496E-6F43-9E3E-C6E815745A45}" type="slidenum">
+            <a:fld id="{22483484-A61A-904E-9A1D-D704FCD83109}" type="slidenum">
               <a:rPr lang="en-US" smtClean="0"/>
               <a:t>‹#›</a:t>
             </a:fld>
@@ -1770,7 +1777,7 @@
     </p:spTree>
     <p:extLst>
       <p:ext uri="{BB962C8B-B14F-4D97-AF65-F5344CB8AC3E}">
-        <p14:creationId xmlns:p14="http://schemas.microsoft.com/office/powerpoint/2010/main" val="3795525745"/>
+        <p14:creationId xmlns:p14="http://schemas.microsoft.com/office/powerpoint/2010/main" val="2657433909"/>
       </p:ext>
     </p:extLst>
   </p:cSld>
@@ -1812,9 +1819,9 @@
           <a:bodyPr/>
           <a:lstStyle/>
           <a:p>
-            <a:fld id="{53E91FE3-8396-FD40-B368-74B8DB14621A}" type="datetimeFigureOut">
+            <a:fld id="{55C48555-5C1B-394F-AB41-C753F83C5FA8}" type="datetimeFigureOut">
               <a:rPr lang="en-US" smtClean="0"/>
-              <a:t>9/4/20</a:t>
+              <a:t>9/11/20</a:t>
             </a:fld>
             <a:endParaRPr lang="en-US"/>
           </a:p>
@@ -1854,7 +1861,7 @@
           <a:bodyPr/>
           <a:lstStyle/>
           <a:p>
-            <a:fld id="{010721D8-496E-6F43-9E3E-C6E815745A45}" type="slidenum">
+            <a:fld id="{22483484-A61A-904E-9A1D-D704FCD83109}" type="slidenum">
               <a:rPr lang="en-US" smtClean="0"/>
               <a:t>‹#›</a:t>
             </a:fld>
@@ -1865,7 +1872,7 @@
     </p:spTree>
     <p:extLst>
       <p:ext uri="{BB962C8B-B14F-4D97-AF65-F5344CB8AC3E}">
-        <p14:creationId xmlns:p14="http://schemas.microsoft.com/office/powerpoint/2010/main" val="2425019508"/>
+        <p14:creationId xmlns:p14="http://schemas.microsoft.com/office/powerpoint/2010/main" val="346659811"/>
       </p:ext>
     </p:extLst>
   </p:cSld>
@@ -1904,15 +1911,15 @@
         </p:nvSpPr>
         <p:spPr>
           <a:xfrm>
-            <a:off x="535365" y="487680"/>
-            <a:ext cx="2506801" cy="1706880"/>
+            <a:off x="692825" y="426720"/>
+            <a:ext cx="3244096" cy="1493520"/>
           </a:xfrm>
         </p:spPr>
         <p:txBody>
           <a:bodyPr anchor="b"/>
           <a:lstStyle>
             <a:lvl1pPr>
-              <a:defRPr sz="2720"/>
+              <a:defRPr sz="2640"/>
             </a:lvl1pPr>
           </a:lstStyle>
           <a:p>
@@ -1936,39 +1943,39 @@
         </p:nvSpPr>
         <p:spPr>
           <a:xfrm>
-            <a:off x="3304282" y="1053255"/>
-            <a:ext cx="3934778" cy="5198533"/>
+            <a:off x="4276130" y="921597"/>
+            <a:ext cx="5092065" cy="4548717"/>
           </a:xfrm>
         </p:spPr>
         <p:txBody>
           <a:bodyPr/>
           <a:lstStyle>
             <a:lvl1pPr>
-              <a:defRPr sz="2720"/>
+              <a:defRPr sz="2640"/>
             </a:lvl1pPr>
             <a:lvl2pPr>
-              <a:defRPr sz="2380"/>
+              <a:defRPr sz="2310"/>
             </a:lvl2pPr>
             <a:lvl3pPr>
-              <a:defRPr sz="2040"/>
+              <a:defRPr sz="1980"/>
             </a:lvl3pPr>
             <a:lvl4pPr>
-              <a:defRPr sz="1700"/>
+              <a:defRPr sz="1650"/>
             </a:lvl4pPr>
             <a:lvl5pPr>
-              <a:defRPr sz="1700"/>
+              <a:defRPr sz="1650"/>
             </a:lvl5pPr>
             <a:lvl6pPr>
-              <a:defRPr sz="1700"/>
+              <a:defRPr sz="1650"/>
             </a:lvl6pPr>
             <a:lvl7pPr>
-              <a:defRPr sz="1700"/>
+              <a:defRPr sz="1650"/>
             </a:lvl7pPr>
             <a:lvl8pPr>
-              <a:defRPr sz="1700"/>
+              <a:defRPr sz="1650"/>
             </a:lvl8pPr>
             <a:lvl9pPr>
-              <a:defRPr sz="1700"/>
+              <a:defRPr sz="1650"/>
             </a:lvl9pPr>
           </a:lstStyle>
           <a:p>
@@ -2021,8 +2028,8 @@
         </p:nvSpPr>
         <p:spPr>
           <a:xfrm>
-            <a:off x="535365" y="2194560"/>
-            <a:ext cx="2506801" cy="4065694"/>
+            <a:off x="692825" y="1920240"/>
+            <a:ext cx="3244096" cy="3557482"/>
           </a:xfrm>
         </p:spPr>
         <p:txBody>
@@ -2030,39 +2037,39 @@
           <a:lstStyle>
             <a:lvl1pPr marL="0" indent="0">
               <a:buNone/>
-              <a:defRPr sz="1360"/>
+              <a:defRPr sz="1320"/>
             </a:lvl1pPr>
-            <a:lvl2pPr marL="388620" indent="0">
-              <a:buNone/>
-              <a:defRPr sz="1190"/>
+            <a:lvl2pPr marL="377190" indent="0">
+              <a:buNone/>
+              <a:defRPr sz="1155"/>
             </a:lvl2pPr>
-            <a:lvl3pPr marL="777240" indent="0">
-              <a:buNone/>
-              <a:defRPr sz="1020"/>
+            <a:lvl3pPr marL="754380" indent="0">
+              <a:buNone/>
+              <a:defRPr sz="990"/>
             </a:lvl3pPr>
-            <a:lvl4pPr marL="1165860" indent="0">
-              <a:buNone/>
-              <a:defRPr sz="850"/>
+            <a:lvl4pPr marL="1131570" indent="0">
+              <a:buNone/>
+              <a:defRPr sz="825"/>
             </a:lvl4pPr>
-            <a:lvl5pPr marL="1554480" indent="0">
-              <a:buNone/>
-              <a:defRPr sz="850"/>
+            <a:lvl5pPr marL="1508760" indent="0">
+              <a:buNone/>
+              <a:defRPr sz="825"/>
             </a:lvl5pPr>
-            <a:lvl6pPr marL="1943100" indent="0">
-              <a:buNone/>
-              <a:defRPr sz="850"/>
+            <a:lvl6pPr marL="1885950" indent="0">
+              <a:buNone/>
+              <a:defRPr sz="825"/>
             </a:lvl6pPr>
-            <a:lvl7pPr marL="2331720" indent="0">
-              <a:buNone/>
-              <a:defRPr sz="850"/>
+            <a:lvl7pPr marL="2263140" indent="0">
+              <a:buNone/>
+              <a:defRPr sz="825"/>
             </a:lvl7pPr>
-            <a:lvl8pPr marL="2720340" indent="0">
-              <a:buNone/>
-              <a:defRPr sz="850"/>
+            <a:lvl8pPr marL="2640330" indent="0">
+              <a:buNone/>
+              <a:defRPr sz="825"/>
             </a:lvl8pPr>
-            <a:lvl9pPr marL="3108960" indent="0">
-              <a:buNone/>
-              <a:defRPr sz="850"/>
+            <a:lvl9pPr marL="3017520" indent="0">
+              <a:buNone/>
+              <a:defRPr sz="825"/>
             </a:lvl9pPr>
           </a:lstStyle>
           <a:p>
@@ -2089,9 +2096,9 @@
           <a:bodyPr/>
           <a:lstStyle/>
           <a:p>
-            <a:fld id="{53E91FE3-8396-FD40-B368-74B8DB14621A}" type="datetimeFigureOut">
+            <a:fld id="{55C48555-5C1B-394F-AB41-C753F83C5FA8}" type="datetimeFigureOut">
               <a:rPr lang="en-US" smtClean="0"/>
-              <a:t>9/4/20</a:t>
+              <a:t>9/11/20</a:t>
             </a:fld>
             <a:endParaRPr lang="en-US"/>
           </a:p>
@@ -2131,7 +2138,7 @@
           <a:bodyPr/>
           <a:lstStyle/>
           <a:p>
-            <a:fld id="{010721D8-496E-6F43-9E3E-C6E815745A45}" type="slidenum">
+            <a:fld id="{22483484-A61A-904E-9A1D-D704FCD83109}" type="slidenum">
               <a:rPr lang="en-US" smtClean="0"/>
               <a:t>‹#›</a:t>
             </a:fld>
@@ -2142,7 +2149,7 @@
     </p:spTree>
     <p:extLst>
       <p:ext uri="{BB962C8B-B14F-4D97-AF65-F5344CB8AC3E}">
-        <p14:creationId xmlns:p14="http://schemas.microsoft.com/office/powerpoint/2010/main" val="3097997769"/>
+        <p14:creationId xmlns:p14="http://schemas.microsoft.com/office/powerpoint/2010/main" val="1062064478"/>
       </p:ext>
     </p:extLst>
   </p:cSld>
@@ -2181,15 +2188,15 @@
         </p:nvSpPr>
         <p:spPr>
           <a:xfrm>
-            <a:off x="535365" y="487680"/>
-            <a:ext cx="2506801" cy="1706880"/>
+            <a:off x="692825" y="426720"/>
+            <a:ext cx="3244096" cy="1493520"/>
           </a:xfrm>
         </p:spPr>
         <p:txBody>
           <a:bodyPr anchor="b"/>
           <a:lstStyle>
             <a:lvl1pPr>
-              <a:defRPr sz="2720"/>
+              <a:defRPr sz="2640"/>
             </a:lvl1pPr>
           </a:lstStyle>
           <a:p>
@@ -2213,8 +2220,8 @@
         </p:nvSpPr>
         <p:spPr>
           <a:xfrm>
-            <a:off x="3304282" y="1053255"/>
-            <a:ext cx="3934778" cy="5198533"/>
+            <a:off x="4276130" y="921597"/>
+            <a:ext cx="5092065" cy="4548717"/>
           </a:xfrm>
         </p:spPr>
         <p:txBody>
@@ -2222,39 +2229,39 @@
           <a:lstStyle>
             <a:lvl1pPr marL="0" indent="0">
               <a:buNone/>
-              <a:defRPr sz="2720"/>
+              <a:defRPr sz="2640"/>
             </a:lvl1pPr>
-            <a:lvl2pPr marL="388620" indent="0">
-              <a:buNone/>
-              <a:defRPr sz="2380"/>
+            <a:lvl2pPr marL="377190" indent="0">
+              <a:buNone/>
+              <a:defRPr sz="2310"/>
             </a:lvl2pPr>
-            <a:lvl3pPr marL="777240" indent="0">
-              <a:buNone/>
-              <a:defRPr sz="2040"/>
+            <a:lvl3pPr marL="754380" indent="0">
+              <a:buNone/>
+              <a:defRPr sz="1980"/>
             </a:lvl3pPr>
-            <a:lvl4pPr marL="1165860" indent="0">
-              <a:buNone/>
-              <a:defRPr sz="1700"/>
+            <a:lvl4pPr marL="1131570" indent="0">
+              <a:buNone/>
+              <a:defRPr sz="1650"/>
             </a:lvl4pPr>
-            <a:lvl5pPr marL="1554480" indent="0">
-              <a:buNone/>
-              <a:defRPr sz="1700"/>
+            <a:lvl5pPr marL="1508760" indent="0">
+              <a:buNone/>
+              <a:defRPr sz="1650"/>
             </a:lvl5pPr>
-            <a:lvl6pPr marL="1943100" indent="0">
-              <a:buNone/>
-              <a:defRPr sz="1700"/>
+            <a:lvl6pPr marL="1885950" indent="0">
+              <a:buNone/>
+              <a:defRPr sz="1650"/>
             </a:lvl6pPr>
-            <a:lvl7pPr marL="2331720" indent="0">
-              <a:buNone/>
-              <a:defRPr sz="1700"/>
+            <a:lvl7pPr marL="2263140" indent="0">
+              <a:buNone/>
+              <a:defRPr sz="1650"/>
             </a:lvl7pPr>
-            <a:lvl8pPr marL="2720340" indent="0">
-              <a:buNone/>
-              <a:defRPr sz="1700"/>
+            <a:lvl8pPr marL="2640330" indent="0">
+              <a:buNone/>
+              <a:defRPr sz="1650"/>
             </a:lvl8pPr>
-            <a:lvl9pPr marL="3108960" indent="0">
-              <a:buNone/>
-              <a:defRPr sz="1700"/>
+            <a:lvl9pPr marL="3017520" indent="0">
+              <a:buNone/>
+              <a:defRPr sz="1650"/>
             </a:lvl9pPr>
           </a:lstStyle>
           <a:p>
@@ -2278,8 +2285,8 @@
         </p:nvSpPr>
         <p:spPr>
           <a:xfrm>
-            <a:off x="535365" y="2194560"/>
-            <a:ext cx="2506801" cy="4065694"/>
+            <a:off x="692825" y="1920240"/>
+            <a:ext cx="3244096" cy="3557482"/>
           </a:xfrm>
         </p:spPr>
         <p:txBody>
@@ -2287,39 +2294,39 @@
           <a:lstStyle>
             <a:lvl1pPr marL="0" indent="0">
               <a:buNone/>
-              <a:defRPr sz="1360"/>
+              <a:defRPr sz="1320"/>
             </a:lvl1pPr>
-            <a:lvl2pPr marL="388620" indent="0">
-              <a:buNone/>
-              <a:defRPr sz="1190"/>
+            <a:lvl2pPr marL="377190" indent="0">
+              <a:buNone/>
+              <a:defRPr sz="1155"/>
             </a:lvl2pPr>
-            <a:lvl3pPr marL="777240" indent="0">
-              <a:buNone/>
-              <a:defRPr sz="1020"/>
+            <a:lvl3pPr marL="754380" indent="0">
+              <a:buNone/>
+              <a:defRPr sz="990"/>
             </a:lvl3pPr>
-            <a:lvl4pPr marL="1165860" indent="0">
-              <a:buNone/>
-              <a:defRPr sz="850"/>
+            <a:lvl4pPr marL="1131570" indent="0">
+              <a:buNone/>
+              <a:defRPr sz="825"/>
             </a:lvl4pPr>
-            <a:lvl5pPr marL="1554480" indent="0">
-              <a:buNone/>
-              <a:defRPr sz="850"/>
+            <a:lvl5pPr marL="1508760" indent="0">
+              <a:buNone/>
+              <a:defRPr sz="825"/>
             </a:lvl5pPr>
-            <a:lvl6pPr marL="1943100" indent="0">
-              <a:buNone/>
-              <a:defRPr sz="850"/>
+            <a:lvl6pPr marL="1885950" indent="0">
+              <a:buNone/>
+              <a:defRPr sz="825"/>
             </a:lvl6pPr>
-            <a:lvl7pPr marL="2331720" indent="0">
-              <a:buNone/>
-              <a:defRPr sz="850"/>
+            <a:lvl7pPr marL="2263140" indent="0">
+              <a:buNone/>
+              <a:defRPr sz="825"/>
             </a:lvl7pPr>
-            <a:lvl8pPr marL="2720340" indent="0">
-              <a:buNone/>
-              <a:defRPr sz="850"/>
+            <a:lvl8pPr marL="2640330" indent="0">
+              <a:buNone/>
+              <a:defRPr sz="825"/>
             </a:lvl8pPr>
-            <a:lvl9pPr marL="3108960" indent="0">
-              <a:buNone/>
-              <a:defRPr sz="850"/>
+            <a:lvl9pPr marL="3017520" indent="0">
+              <a:buNone/>
+              <a:defRPr sz="825"/>
             </a:lvl9pPr>
           </a:lstStyle>
           <a:p>
@@ -2346,9 +2353,9 @@
           <a:bodyPr/>
           <a:lstStyle/>
           <a:p>
-            <a:fld id="{53E91FE3-8396-FD40-B368-74B8DB14621A}" type="datetimeFigureOut">
+            <a:fld id="{55C48555-5C1B-394F-AB41-C753F83C5FA8}" type="datetimeFigureOut">
               <a:rPr lang="en-US" smtClean="0"/>
-              <a:t>9/4/20</a:t>
+              <a:t>9/11/20</a:t>
             </a:fld>
             <a:endParaRPr lang="en-US"/>
           </a:p>
@@ -2388,7 +2395,7 @@
           <a:bodyPr/>
           <a:lstStyle/>
           <a:p>
-            <a:fld id="{010721D8-496E-6F43-9E3E-C6E815745A45}" type="slidenum">
+            <a:fld id="{22483484-A61A-904E-9A1D-D704FCD83109}" type="slidenum">
               <a:rPr lang="en-US" smtClean="0"/>
               <a:t>‹#›</a:t>
             </a:fld>
@@ -2399,7 +2406,7 @@
     </p:spTree>
     <p:extLst>
       <p:ext uri="{BB962C8B-B14F-4D97-AF65-F5344CB8AC3E}">
-        <p14:creationId xmlns:p14="http://schemas.microsoft.com/office/powerpoint/2010/main" val="3359482311"/>
+        <p14:creationId xmlns:p14="http://schemas.microsoft.com/office/powerpoint/2010/main" val="3857754343"/>
       </p:ext>
     </p:extLst>
   </p:cSld>
@@ -2443,8 +2450,8 @@
         </p:nvSpPr>
         <p:spPr>
           <a:xfrm>
-            <a:off x="534353" y="389468"/>
-            <a:ext cx="6703695" cy="1413934"/>
+            <a:off x="691515" y="340784"/>
+            <a:ext cx="8675370" cy="1237192"/>
           </a:xfrm>
           <a:prstGeom prst="rect">
             <a:avLst/>
@@ -2476,8 +2483,8 @@
         </p:nvSpPr>
         <p:spPr>
           <a:xfrm>
-            <a:off x="534353" y="1947333"/>
-            <a:ext cx="6703695" cy="4641427"/>
+            <a:off x="691515" y="1703917"/>
+            <a:ext cx="8675370" cy="4061249"/>
           </a:xfrm>
           <a:prstGeom prst="rect">
             <a:avLst/>
@@ -2538,8 +2545,8 @@
         </p:nvSpPr>
         <p:spPr>
           <a:xfrm>
-            <a:off x="534353" y="6780108"/>
-            <a:ext cx="1748790" cy="389467"/>
+            <a:off x="691515" y="5932594"/>
+            <a:ext cx="2263140" cy="340783"/>
           </a:xfrm>
           <a:prstGeom prst="rect">
             <a:avLst/>
@@ -2549,7 +2556,7 @@
           <a:bodyPr vert="horz" lIns="91440" tIns="45720" rIns="91440" bIns="45720" rtlCol="0" anchor="ctr"/>
           <a:lstStyle>
             <a:lvl1pPr algn="l">
-              <a:defRPr sz="1020">
+              <a:defRPr sz="990">
                 <a:solidFill>
                   <a:schemeClr val="tx1">
                     <a:tint val="75000"/>
@@ -2559,9 +2566,9 @@
             </a:lvl1pPr>
           </a:lstStyle>
           <a:p>
-            <a:fld id="{53E91FE3-8396-FD40-B368-74B8DB14621A}" type="datetimeFigureOut">
+            <a:fld id="{55C48555-5C1B-394F-AB41-C753F83C5FA8}" type="datetimeFigureOut">
               <a:rPr lang="en-US" smtClean="0"/>
-              <a:t>9/4/20</a:t>
+              <a:t>9/11/20</a:t>
             </a:fld>
             <a:endParaRPr lang="en-US"/>
           </a:p>
@@ -2579,8 +2586,8 @@
         </p:nvSpPr>
         <p:spPr>
           <a:xfrm>
-            <a:off x="2574608" y="6780108"/>
-            <a:ext cx="2623185" cy="389467"/>
+            <a:off x="3331845" y="5932594"/>
+            <a:ext cx="3394710" cy="340783"/>
           </a:xfrm>
           <a:prstGeom prst="rect">
             <a:avLst/>
@@ -2590,7 +2597,7 @@
           <a:bodyPr vert="horz" lIns="91440" tIns="45720" rIns="91440" bIns="45720" rtlCol="0" anchor="ctr"/>
           <a:lstStyle>
             <a:lvl1pPr algn="ctr">
-              <a:defRPr sz="1020">
+              <a:defRPr sz="990">
                 <a:solidFill>
                   <a:schemeClr val="tx1">
                     <a:tint val="75000"/>
@@ -2616,8 +2623,8 @@
         </p:nvSpPr>
         <p:spPr>
           <a:xfrm>
-            <a:off x="5489258" y="6780108"/>
-            <a:ext cx="1748790" cy="389467"/>
+            <a:off x="7103745" y="5932594"/>
+            <a:ext cx="2263140" cy="340783"/>
           </a:xfrm>
           <a:prstGeom prst="rect">
             <a:avLst/>
@@ -2627,7 +2634,7 @@
           <a:bodyPr vert="horz" lIns="91440" tIns="45720" rIns="91440" bIns="45720" rtlCol="0" anchor="ctr"/>
           <a:lstStyle>
             <a:lvl1pPr algn="r">
-              <a:defRPr sz="1020">
+              <a:defRPr sz="990">
                 <a:solidFill>
                   <a:schemeClr val="tx1">
                     <a:tint val="75000"/>
@@ -2637,7 +2644,7 @@
             </a:lvl1pPr>
           </a:lstStyle>
           <a:p>
-            <a:fld id="{010721D8-496E-6F43-9E3E-C6E815745A45}" type="slidenum">
+            <a:fld id="{22483484-A61A-904E-9A1D-D704FCD83109}" type="slidenum">
               <a:rPr lang="en-US" smtClean="0"/>
               <a:t>‹#›</a:t>
             </a:fld>
@@ -2648,27 +2655,27 @@
     </p:spTree>
     <p:extLst>
       <p:ext uri="{BB962C8B-B14F-4D97-AF65-F5344CB8AC3E}">
-        <p14:creationId xmlns:p14="http://schemas.microsoft.com/office/powerpoint/2010/main" val="1315290343"/>
+        <p14:creationId xmlns:p14="http://schemas.microsoft.com/office/powerpoint/2010/main" val="1405205522"/>
       </p:ext>
     </p:extLst>
   </p:cSld>
   <p:clrMap bg1="lt1" tx1="dk1" bg2="lt2" tx2="dk2" accent1="accent1" accent2="accent2" accent3="accent3" accent4="accent4" accent5="accent5" accent6="accent6" hlink="hlink" folHlink="folHlink"/>
   <p:sldLayoutIdLst>
-    <p:sldLayoutId id="2147483685" r:id="rId1"/>
-    <p:sldLayoutId id="2147483686" r:id="rId2"/>
-    <p:sldLayoutId id="2147483687" r:id="rId3"/>
-    <p:sldLayoutId id="2147483688" r:id="rId4"/>
-    <p:sldLayoutId id="2147483689" r:id="rId5"/>
-    <p:sldLayoutId id="2147483690" r:id="rId6"/>
-    <p:sldLayoutId id="2147483691" r:id="rId7"/>
-    <p:sldLayoutId id="2147483692" r:id="rId8"/>
-    <p:sldLayoutId id="2147483693" r:id="rId9"/>
-    <p:sldLayoutId id="2147483694" r:id="rId10"/>
-    <p:sldLayoutId id="2147483695" r:id="rId11"/>
+    <p:sldLayoutId id="2147483661" r:id="rId1"/>
+    <p:sldLayoutId id="2147483662" r:id="rId2"/>
+    <p:sldLayoutId id="2147483663" r:id="rId3"/>
+    <p:sldLayoutId id="2147483664" r:id="rId4"/>
+    <p:sldLayoutId id="2147483665" r:id="rId5"/>
+    <p:sldLayoutId id="2147483666" r:id="rId6"/>
+    <p:sldLayoutId id="2147483667" r:id="rId7"/>
+    <p:sldLayoutId id="2147483668" r:id="rId8"/>
+    <p:sldLayoutId id="2147483669" r:id="rId9"/>
+    <p:sldLayoutId id="2147483670" r:id="rId10"/>
+    <p:sldLayoutId id="2147483671" r:id="rId11"/>
   </p:sldLayoutIdLst>
   <p:txStyles>
     <p:titleStyle>
-      <a:lvl1pPr algn="l" defTabSz="777240" rtl="0" eaLnBrk="1" latinLnBrk="0" hangingPunct="1">
+      <a:lvl1pPr algn="l" defTabSz="754380" rtl="0" eaLnBrk="1" latinLnBrk="0" hangingPunct="1">
         <a:lnSpc>
           <a:spcPct val="90000"/>
         </a:lnSpc>
@@ -2676,7 +2683,7 @@
           <a:spcPct val="0"/>
         </a:spcBef>
         <a:buNone/>
-        <a:defRPr sz="3740" kern="1200">
+        <a:defRPr sz="3630" kern="1200">
           <a:solidFill>
             <a:schemeClr val="tx1"/>
           </a:solidFill>
@@ -2687,16 +2694,16 @@
       </a:lvl1pPr>
     </p:titleStyle>
     <p:bodyStyle>
-      <a:lvl1pPr marL="194310" indent="-194310" algn="l" defTabSz="777240" rtl="0" eaLnBrk="1" latinLnBrk="0" hangingPunct="1">
+      <a:lvl1pPr marL="188595" indent="-188595" algn="l" defTabSz="754380" rtl="0" eaLnBrk="1" latinLnBrk="0" hangingPunct="1">
         <a:lnSpc>
           <a:spcPct val="90000"/>
         </a:lnSpc>
         <a:spcBef>
-          <a:spcPts val="850"/>
+          <a:spcPts val="825"/>
         </a:spcBef>
         <a:buFont typeface="Arial" panose="020B0604020202020204" pitchFamily="34" charset="0"/>
         <a:buChar char="•"/>
-        <a:defRPr sz="2380" kern="1200">
+        <a:defRPr sz="2310" kern="1200">
           <a:solidFill>
             <a:schemeClr val="tx1"/>
           </a:solidFill>
@@ -2705,16 +2712,16 @@
           <a:cs typeface="+mn-cs"/>
         </a:defRPr>
       </a:lvl1pPr>
-      <a:lvl2pPr marL="582930" indent="-194310" algn="l" defTabSz="777240" rtl="0" eaLnBrk="1" latinLnBrk="0" hangingPunct="1">
+      <a:lvl2pPr marL="565785" indent="-188595" algn="l" defTabSz="754380" rtl="0" eaLnBrk="1" latinLnBrk="0" hangingPunct="1">
         <a:lnSpc>
           <a:spcPct val="90000"/>
         </a:lnSpc>
         <a:spcBef>
-          <a:spcPts val="425"/>
+          <a:spcPts val="413"/>
         </a:spcBef>
         <a:buFont typeface="Arial" panose="020B0604020202020204" pitchFamily="34" charset="0"/>
         <a:buChar char="•"/>
-        <a:defRPr sz="2040" kern="1200">
+        <a:defRPr sz="1980" kern="1200">
           <a:solidFill>
             <a:schemeClr val="tx1"/>
           </a:solidFill>
@@ -2723,16 +2730,16 @@
           <a:cs typeface="+mn-cs"/>
         </a:defRPr>
       </a:lvl2pPr>
-      <a:lvl3pPr marL="971550" indent="-194310" algn="l" defTabSz="777240" rtl="0" eaLnBrk="1" latinLnBrk="0" hangingPunct="1">
+      <a:lvl3pPr marL="942975" indent="-188595" algn="l" defTabSz="754380" rtl="0" eaLnBrk="1" latinLnBrk="0" hangingPunct="1">
         <a:lnSpc>
           <a:spcPct val="90000"/>
         </a:lnSpc>
         <a:spcBef>
-          <a:spcPts val="425"/>
+          <a:spcPts val="413"/>
         </a:spcBef>
         <a:buFont typeface="Arial" panose="020B0604020202020204" pitchFamily="34" charset="0"/>
         <a:buChar char="•"/>
-        <a:defRPr sz="1700" kern="1200">
+        <a:defRPr sz="1650" kern="1200">
           <a:solidFill>
             <a:schemeClr val="tx1"/>
           </a:solidFill>
@@ -2741,16 +2748,16 @@
           <a:cs typeface="+mn-cs"/>
         </a:defRPr>
       </a:lvl3pPr>
-      <a:lvl4pPr marL="1360170" indent="-194310" algn="l" defTabSz="777240" rtl="0" eaLnBrk="1" latinLnBrk="0" hangingPunct="1">
+      <a:lvl4pPr marL="1320165" indent="-188595" algn="l" defTabSz="754380" rtl="0" eaLnBrk="1" latinLnBrk="0" hangingPunct="1">
         <a:lnSpc>
           <a:spcPct val="90000"/>
         </a:lnSpc>
         <a:spcBef>
-          <a:spcPts val="425"/>
+          <a:spcPts val="413"/>
         </a:spcBef>
         <a:buFont typeface="Arial" panose="020B0604020202020204" pitchFamily="34" charset="0"/>
         <a:buChar char="•"/>
-        <a:defRPr sz="1530" kern="1200">
+        <a:defRPr sz="1485" kern="1200">
           <a:solidFill>
             <a:schemeClr val="tx1"/>
           </a:solidFill>
@@ -2759,16 +2766,16 @@
           <a:cs typeface="+mn-cs"/>
         </a:defRPr>
       </a:lvl4pPr>
-      <a:lvl5pPr marL="1748790" indent="-194310" algn="l" defTabSz="777240" rtl="0" eaLnBrk="1" latinLnBrk="0" hangingPunct="1">
+      <a:lvl5pPr marL="1697355" indent="-188595" algn="l" defTabSz="754380" rtl="0" eaLnBrk="1" latinLnBrk="0" hangingPunct="1">
         <a:lnSpc>
           <a:spcPct val="90000"/>
         </a:lnSpc>
         <a:spcBef>
-          <a:spcPts val="425"/>
+          <a:spcPts val="413"/>
         </a:spcBef>
         <a:buFont typeface="Arial" panose="020B0604020202020204" pitchFamily="34" charset="0"/>
         <a:buChar char="•"/>
-        <a:defRPr sz="1530" kern="1200">
+        <a:defRPr sz="1485" kern="1200">
           <a:solidFill>
             <a:schemeClr val="tx1"/>
           </a:solidFill>
@@ -2777,16 +2784,16 @@
           <a:cs typeface="+mn-cs"/>
         </a:defRPr>
       </a:lvl5pPr>
-      <a:lvl6pPr marL="2137410" indent="-194310" algn="l" defTabSz="777240" rtl="0" eaLnBrk="1" latinLnBrk="0" hangingPunct="1">
+      <a:lvl6pPr marL="2074545" indent="-188595" algn="l" defTabSz="754380" rtl="0" eaLnBrk="1" latinLnBrk="0" hangingPunct="1">
         <a:lnSpc>
           <a:spcPct val="90000"/>
         </a:lnSpc>
         <a:spcBef>
-          <a:spcPts val="425"/>
+          <a:spcPts val="413"/>
         </a:spcBef>
         <a:buFont typeface="Arial" panose="020B0604020202020204" pitchFamily="34" charset="0"/>
         <a:buChar char="•"/>
-        <a:defRPr sz="1530" kern="1200">
+        <a:defRPr sz="1485" kern="1200">
           <a:solidFill>
             <a:schemeClr val="tx1"/>
           </a:solidFill>
@@ -2795,16 +2802,16 @@
           <a:cs typeface="+mn-cs"/>
         </a:defRPr>
       </a:lvl6pPr>
-      <a:lvl7pPr marL="2526030" indent="-194310" algn="l" defTabSz="777240" rtl="0" eaLnBrk="1" latinLnBrk="0" hangingPunct="1">
+      <a:lvl7pPr marL="2451735" indent="-188595" algn="l" defTabSz="754380" rtl="0" eaLnBrk="1" latinLnBrk="0" hangingPunct="1">
         <a:lnSpc>
           <a:spcPct val="90000"/>
         </a:lnSpc>
         <a:spcBef>
-          <a:spcPts val="425"/>
+          <a:spcPts val="413"/>
         </a:spcBef>
         <a:buFont typeface="Arial" panose="020B0604020202020204" pitchFamily="34" charset="0"/>
         <a:buChar char="•"/>
-        <a:defRPr sz="1530" kern="1200">
+        <a:defRPr sz="1485" kern="1200">
           <a:solidFill>
             <a:schemeClr val="tx1"/>
           </a:solidFill>
@@ -2813,16 +2820,16 @@
           <a:cs typeface="+mn-cs"/>
         </a:defRPr>
       </a:lvl7pPr>
-      <a:lvl8pPr marL="2914650" indent="-194310" algn="l" defTabSz="777240" rtl="0" eaLnBrk="1" latinLnBrk="0" hangingPunct="1">
+      <a:lvl8pPr marL="2828925" indent="-188595" algn="l" defTabSz="754380" rtl="0" eaLnBrk="1" latinLnBrk="0" hangingPunct="1">
         <a:lnSpc>
           <a:spcPct val="90000"/>
         </a:lnSpc>
         <a:spcBef>
-          <a:spcPts val="425"/>
+          <a:spcPts val="413"/>
         </a:spcBef>
         <a:buFont typeface="Arial" panose="020B0604020202020204" pitchFamily="34" charset="0"/>
         <a:buChar char="•"/>
-        <a:defRPr sz="1530" kern="1200">
+        <a:defRPr sz="1485" kern="1200">
           <a:solidFill>
             <a:schemeClr val="tx1"/>
           </a:solidFill>
@@ -2831,16 +2838,16 @@
           <a:cs typeface="+mn-cs"/>
         </a:defRPr>
       </a:lvl8pPr>
-      <a:lvl9pPr marL="3303270" indent="-194310" algn="l" defTabSz="777240" rtl="0" eaLnBrk="1" latinLnBrk="0" hangingPunct="1">
+      <a:lvl9pPr marL="3206115" indent="-188595" algn="l" defTabSz="754380" rtl="0" eaLnBrk="1" latinLnBrk="0" hangingPunct="1">
         <a:lnSpc>
           <a:spcPct val="90000"/>
         </a:lnSpc>
         <a:spcBef>
-          <a:spcPts val="425"/>
+          <a:spcPts val="413"/>
         </a:spcBef>
         <a:buFont typeface="Arial" panose="020B0604020202020204" pitchFamily="34" charset="0"/>
         <a:buChar char="•"/>
-        <a:defRPr sz="1530" kern="1200">
+        <a:defRPr sz="1485" kern="1200">
           <a:solidFill>
             <a:schemeClr val="tx1"/>
           </a:solidFill>
@@ -2854,8 +2861,8 @@
       <a:defPPr>
         <a:defRPr lang="en-US"/>
       </a:defPPr>
-      <a:lvl1pPr marL="0" algn="l" defTabSz="777240" rtl="0" eaLnBrk="1" latinLnBrk="0" hangingPunct="1">
-        <a:defRPr sz="1530" kern="1200">
+      <a:lvl1pPr marL="0" algn="l" defTabSz="754380" rtl="0" eaLnBrk="1" latinLnBrk="0" hangingPunct="1">
+        <a:defRPr sz="1485" kern="1200">
           <a:solidFill>
             <a:schemeClr val="tx1"/>
           </a:solidFill>
@@ -2864,8 +2871,8 @@
           <a:cs typeface="+mn-cs"/>
         </a:defRPr>
       </a:lvl1pPr>
-      <a:lvl2pPr marL="388620" algn="l" defTabSz="777240" rtl="0" eaLnBrk="1" latinLnBrk="0" hangingPunct="1">
-        <a:defRPr sz="1530" kern="1200">
+      <a:lvl2pPr marL="377190" algn="l" defTabSz="754380" rtl="0" eaLnBrk="1" latinLnBrk="0" hangingPunct="1">
+        <a:defRPr sz="1485" kern="1200">
           <a:solidFill>
             <a:schemeClr val="tx1"/>
           </a:solidFill>
@@ -2874,8 +2881,8 @@
           <a:cs typeface="+mn-cs"/>
         </a:defRPr>
       </a:lvl2pPr>
-      <a:lvl3pPr marL="777240" algn="l" defTabSz="777240" rtl="0" eaLnBrk="1" latinLnBrk="0" hangingPunct="1">
-        <a:defRPr sz="1530" kern="1200">
+      <a:lvl3pPr marL="754380" algn="l" defTabSz="754380" rtl="0" eaLnBrk="1" latinLnBrk="0" hangingPunct="1">
+        <a:defRPr sz="1485" kern="1200">
           <a:solidFill>
             <a:schemeClr val="tx1"/>
           </a:solidFill>
@@ -2884,8 +2891,8 @@
           <a:cs typeface="+mn-cs"/>
         </a:defRPr>
       </a:lvl3pPr>
-      <a:lvl4pPr marL="1165860" algn="l" defTabSz="777240" rtl="0" eaLnBrk="1" latinLnBrk="0" hangingPunct="1">
-        <a:defRPr sz="1530" kern="1200">
+      <a:lvl4pPr marL="1131570" algn="l" defTabSz="754380" rtl="0" eaLnBrk="1" latinLnBrk="0" hangingPunct="1">
+        <a:defRPr sz="1485" kern="1200">
           <a:solidFill>
             <a:schemeClr val="tx1"/>
           </a:solidFill>
@@ -2894,8 +2901,8 @@
           <a:cs typeface="+mn-cs"/>
         </a:defRPr>
       </a:lvl4pPr>
-      <a:lvl5pPr marL="1554480" algn="l" defTabSz="777240" rtl="0" eaLnBrk="1" latinLnBrk="0" hangingPunct="1">
-        <a:defRPr sz="1530" kern="1200">
+      <a:lvl5pPr marL="1508760" algn="l" defTabSz="754380" rtl="0" eaLnBrk="1" latinLnBrk="0" hangingPunct="1">
+        <a:defRPr sz="1485" kern="1200">
           <a:solidFill>
             <a:schemeClr val="tx1"/>
           </a:solidFill>
@@ -2904,8 +2911,8 @@
           <a:cs typeface="+mn-cs"/>
         </a:defRPr>
       </a:lvl5pPr>
-      <a:lvl6pPr marL="1943100" algn="l" defTabSz="777240" rtl="0" eaLnBrk="1" latinLnBrk="0" hangingPunct="1">
-        <a:defRPr sz="1530" kern="1200">
+      <a:lvl6pPr marL="1885950" algn="l" defTabSz="754380" rtl="0" eaLnBrk="1" latinLnBrk="0" hangingPunct="1">
+        <a:defRPr sz="1485" kern="1200">
           <a:solidFill>
             <a:schemeClr val="tx1"/>
           </a:solidFill>
@@ -2914,8 +2921,8 @@
           <a:cs typeface="+mn-cs"/>
         </a:defRPr>
       </a:lvl6pPr>
-      <a:lvl7pPr marL="2331720" algn="l" defTabSz="777240" rtl="0" eaLnBrk="1" latinLnBrk="0" hangingPunct="1">
-        <a:defRPr sz="1530" kern="1200">
+      <a:lvl7pPr marL="2263140" algn="l" defTabSz="754380" rtl="0" eaLnBrk="1" latinLnBrk="0" hangingPunct="1">
+        <a:defRPr sz="1485" kern="1200">
           <a:solidFill>
             <a:schemeClr val="tx1"/>
           </a:solidFill>
@@ -2924,8 +2931,8 @@
           <a:cs typeface="+mn-cs"/>
         </a:defRPr>
       </a:lvl7pPr>
-      <a:lvl8pPr marL="2720340" algn="l" defTabSz="777240" rtl="0" eaLnBrk="1" latinLnBrk="0" hangingPunct="1">
-        <a:defRPr sz="1530" kern="1200">
+      <a:lvl8pPr marL="2640330" algn="l" defTabSz="754380" rtl="0" eaLnBrk="1" latinLnBrk="0" hangingPunct="1">
+        <a:defRPr sz="1485" kern="1200">
           <a:solidFill>
             <a:schemeClr val="tx1"/>
           </a:solidFill>
@@ -2934,8 +2941,8 @@
           <a:cs typeface="+mn-cs"/>
         </a:defRPr>
       </a:lvl8pPr>
-      <a:lvl9pPr marL="3108960" algn="l" defTabSz="777240" rtl="0" eaLnBrk="1" latinLnBrk="0" hangingPunct="1">
-        <a:defRPr sz="1530" kern="1200">
+      <a:lvl9pPr marL="3017520" algn="l" defTabSz="754380" rtl="0" eaLnBrk="1" latinLnBrk="0" hangingPunct="1">
+        <a:defRPr sz="1485" kern="1200">
           <a:solidFill>
             <a:schemeClr val="tx1"/>
           </a:solidFill>
@@ -2968,10 +2975,10 @@
       </p:grpSpPr>
       <p:pic>
         <p:nvPicPr>
-          <p:cNvPr id="5" name="Picture 4">
+          <p:cNvPr id="11" name="Picture 10">
             <a:extLst>
               <a:ext uri="{FF2B5EF4-FFF2-40B4-BE49-F238E27FC236}">
-                <a16:creationId xmlns:a16="http://schemas.microsoft.com/office/drawing/2014/main" id="{F333EF9A-6F95-5746-9D07-E31E0BD16E65}"/>
+                <a16:creationId xmlns:a16="http://schemas.microsoft.com/office/drawing/2014/main" id="{1B747A27-7AB9-D14E-ACCD-06CCCBCFB06E}"/>
               </a:ext>
             </a:extLst>
           </p:cNvPr>
@@ -2982,13 +2989,13 @@
         </p:nvPicPr>
         <p:blipFill rotWithShape="1">
           <a:blip r:embed="rId2"/>
-          <a:srcRect r="18451"/>
+          <a:srcRect l="9551" t="8406" r="6689" b="11735"/>
           <a:stretch/>
         </p:blipFill>
         <p:spPr>
           <a:xfrm>
-            <a:off x="644711" y="326572"/>
-            <a:ext cx="6605189" cy="6662057"/>
+            <a:off x="747095" y="87735"/>
+            <a:ext cx="9198429" cy="5846647"/>
           </a:xfrm>
           <a:prstGeom prst="rect">
             <a:avLst/>
@@ -2997,10 +3004,10 @@
       </p:pic>
       <p:sp>
         <p:nvSpPr>
-          <p:cNvPr id="10" name="TextBox 9">
+          <p:cNvPr id="6" name="TextBox 5">
             <a:extLst>
               <a:ext uri="{FF2B5EF4-FFF2-40B4-BE49-F238E27FC236}">
-                <a16:creationId xmlns:a16="http://schemas.microsoft.com/office/drawing/2014/main" id="{AC4DBB1D-E1A1-1041-A413-E1D92A6FBDA6}"/>
+                <a16:creationId xmlns:a16="http://schemas.microsoft.com/office/drawing/2014/main" id="{B844FE6F-46CE-024A-BAEC-691803854586}"/>
               </a:ext>
             </a:extLst>
           </p:cNvPr>
@@ -3009,8 +3016,8 @@
         </p:nvSpPr>
         <p:spPr>
           <a:xfrm rot="16200000">
-            <a:off x="-1730229" y="3212893"/>
-            <a:ext cx="4520689" cy="358780"/>
+            <a:off x="-1938278" y="2789524"/>
+            <a:ext cx="4700241" cy="369332"/>
           </a:xfrm>
           <a:prstGeom prst="rect">
             <a:avLst/>
@@ -3026,7 +3033,7 @@
           <a:lstStyle/>
           <a:p>
             <a:r>
-              <a:rPr lang="en-US" sz="1749" dirty="0">
+              <a:rPr lang="en-US" sz="1800" dirty="0">
                 <a:solidFill>
                   <a:srgbClr val="262626"/>
                 </a:solidFill>
@@ -3036,7 +3043,7 @@
               <a:t>Adaptive Subs per Codon per Year (x 10</a:t>
             </a:r>
             <a:r>
-              <a:rPr lang="en-US" sz="1749" baseline="30000" dirty="0">
+              <a:rPr lang="en-US" sz="1800" baseline="30000" dirty="0">
                 <a:solidFill>
                   <a:srgbClr val="262626"/>
                 </a:solidFill>
@@ -3046,7 +3053,7 @@
               <a:t>-3</a:t>
             </a:r>
             <a:r>
-              <a:rPr lang="en-US" sz="1749" dirty="0">
+              <a:rPr lang="en-US" sz="1800" dirty="0">
                 <a:solidFill>
                   <a:srgbClr val="262626"/>
                 </a:solidFill>
@@ -3060,10 +3067,10 @@
       </p:sp>
       <p:sp>
         <p:nvSpPr>
-          <p:cNvPr id="11" name="Rectangle 10">
+          <p:cNvPr id="12" name="Rectangle 11">
             <a:extLst>
               <a:ext uri="{FF2B5EF4-FFF2-40B4-BE49-F238E27FC236}">
-                <a16:creationId xmlns:a16="http://schemas.microsoft.com/office/drawing/2014/main" id="{74FB7360-038F-CC4D-AE20-3F1F35CB5555}"/>
+                <a16:creationId xmlns:a16="http://schemas.microsoft.com/office/drawing/2014/main" id="{D70A45B7-4D3D-D64B-BB69-9E76C474FDF7}"/>
               </a:ext>
             </a:extLst>
           </p:cNvPr>
@@ -3072,67 +3079,8 @@
         </p:nvSpPr>
         <p:spPr>
           <a:xfrm>
-            <a:off x="644711" y="468695"/>
-            <a:ext cx="129595" cy="6253451"/>
-          </a:xfrm>
-          <a:prstGeom prst="rect">
-            <a:avLst/>
-          </a:prstGeom>
-          <a:solidFill>
-            <a:schemeClr val="bg1"/>
-          </a:solidFill>
-          <a:ln>
-            <a:solidFill>
-              <a:schemeClr val="bg1"/>
-            </a:solidFill>
-          </a:ln>
-        </p:spPr>
-        <p:style>
-          <a:lnRef idx="2">
-            <a:schemeClr val="accent1">
-              <a:shade val="50000"/>
-            </a:schemeClr>
-          </a:lnRef>
-          <a:fillRef idx="1">
-            <a:schemeClr val="accent1"/>
-          </a:fillRef>
-          <a:effectRef idx="0">
-            <a:schemeClr val="accent1"/>
-          </a:effectRef>
-          <a:fontRef idx="minor">
-            <a:schemeClr val="lt1"/>
-          </a:fontRef>
-        </p:style>
-        <p:txBody>
-          <a:bodyPr rot="0" spcFirstLastPara="0" vertOverflow="overflow" horzOverflow="overflow" vert="horz" wrap="square" lIns="88827" tIns="44414" rIns="88827" bIns="44414" numCol="1" spcCol="0" rtlCol="0" fromWordArt="0" anchor="ctr" anchorCtr="0" forceAA="0" compatLnSpc="1">
-            <a:prstTxWarp prst="textNoShape">
-              <a:avLst/>
-            </a:prstTxWarp>
-            <a:noAutofit/>
-          </a:bodyPr>
-          <a:lstStyle/>
-          <a:p>
-            <a:pPr algn="ctr"/>
-            <a:endParaRPr lang="en-US" sz="1749"/>
-          </a:p>
-        </p:txBody>
-      </p:sp>
-      <p:sp>
-        <p:nvSpPr>
-          <p:cNvPr id="12" name="TextBox 11">
-            <a:extLst>
-              <a:ext uri="{FF2B5EF4-FFF2-40B4-BE49-F238E27FC236}">
-                <a16:creationId xmlns:a16="http://schemas.microsoft.com/office/drawing/2014/main" id="{45ECB2E1-1F0C-2E42-88C2-924918F4DE0B}"/>
-              </a:ext>
-            </a:extLst>
-          </p:cNvPr>
-          <p:cNvSpPr txBox="1"/>
-          <p:nvPr/>
-        </p:nvSpPr>
-        <p:spPr>
-          <a:xfrm>
-            <a:off x="1213754" y="6718795"/>
-            <a:ext cx="1933162" cy="271741"/>
+            <a:off x="1376856" y="5934382"/>
+            <a:ext cx="1505540" cy="369332"/>
           </a:xfrm>
           <a:prstGeom prst="rect">
             <a:avLst/>
@@ -3142,40 +3090,40 @@
           </a:solidFill>
         </p:spPr>
         <p:txBody>
-          <a:bodyPr wrap="square" rtlCol="0">
+          <a:bodyPr wrap="none">
             <a:spAutoFit/>
           </a:bodyPr>
           <a:lstStyle/>
           <a:p>
             <a:r>
-              <a:rPr lang="en-US" sz="1166" dirty="0">
+              <a:rPr lang="en-US" sz="1800" dirty="0">
                 <a:solidFill>
-                  <a:srgbClr val="262626"/>
+                  <a:srgbClr val="272727"/>
                 </a:solidFill>
                 <a:latin typeface="Arial" panose="020B0604020202020204" pitchFamily="34" charset="0"/>
                 <a:cs typeface="Arial" panose="020B0604020202020204" pitchFamily="34" charset="0"/>
               </a:rPr>
-              <a:t>S1           S2          RdRp</a:t>
-            </a:r>
-          </a:p>
-        </p:txBody>
-      </p:sp>
-      <p:sp>
-        <p:nvSpPr>
-          <p:cNvPr id="13" name="TextBox 12">
+              <a:t>polymerase  </a:t>
+            </a:r>
+          </a:p>
+        </p:txBody>
+      </p:sp>
+      <p:sp>
+        <p:nvSpPr>
+          <p:cNvPr id="13" name="Rectangle 12">
             <a:extLst>
               <a:ext uri="{FF2B5EF4-FFF2-40B4-BE49-F238E27FC236}">
-                <a16:creationId xmlns:a16="http://schemas.microsoft.com/office/drawing/2014/main" id="{D947B1AE-8813-C24B-B1F0-D6A6257CDDD4}"/>
+                <a16:creationId xmlns:a16="http://schemas.microsoft.com/office/drawing/2014/main" id="{E7F0B4F1-F5B0-D44B-8C03-91B31741ED95}"/>
               </a:ext>
             </a:extLst>
           </p:cNvPr>
-          <p:cNvSpPr txBox="1"/>
+          <p:cNvSpPr/>
           <p:nvPr/>
         </p:nvSpPr>
         <p:spPr>
           <a:xfrm>
-            <a:off x="3265245" y="6718794"/>
-            <a:ext cx="1933162" cy="271741"/>
+            <a:off x="3988871" y="5936050"/>
+            <a:ext cx="2618757" cy="369332"/>
           </a:xfrm>
           <a:prstGeom prst="rect">
             <a:avLst/>
@@ -3185,40 +3133,40 @@
           </a:solidFill>
         </p:spPr>
         <p:txBody>
-          <a:bodyPr wrap="square" rtlCol="0">
+          <a:bodyPr wrap="square">
             <a:spAutoFit/>
           </a:bodyPr>
           <a:lstStyle/>
           <a:p>
             <a:r>
-              <a:rPr lang="en-US" sz="1166" dirty="0">
+              <a:rPr lang="en-US" sz="1800" dirty="0">
                 <a:solidFill>
-                  <a:srgbClr val="262626"/>
+                  <a:srgbClr val="272727"/>
                 </a:solidFill>
                 <a:latin typeface="Arial" panose="020B0604020202020204" pitchFamily="34" charset="0"/>
                 <a:cs typeface="Arial" panose="020B0604020202020204" pitchFamily="34" charset="0"/>
               </a:rPr>
-              <a:t>S1           S2          RdRp</a:t>
-            </a:r>
-          </a:p>
-        </p:txBody>
-      </p:sp>
-      <p:sp>
-        <p:nvSpPr>
-          <p:cNvPr id="14" name="TextBox 13">
+              <a:t>receptor binding protein  </a:t>
+            </a:r>
+          </a:p>
+        </p:txBody>
+      </p:sp>
+      <p:sp>
+        <p:nvSpPr>
+          <p:cNvPr id="14" name="Rectangle 13">
             <a:extLst>
               <a:ext uri="{FF2B5EF4-FFF2-40B4-BE49-F238E27FC236}">
-                <a16:creationId xmlns:a16="http://schemas.microsoft.com/office/drawing/2014/main" id="{4A891CD8-EE35-ED41-B8DC-C5639A7616D4}"/>
+                <a16:creationId xmlns:a16="http://schemas.microsoft.com/office/drawing/2014/main" id="{FA695827-0A6A-144E-B83E-967A562218A2}"/>
               </a:ext>
             </a:extLst>
           </p:cNvPr>
-          <p:cNvSpPr txBox="1"/>
+          <p:cNvSpPr/>
           <p:nvPr/>
         </p:nvSpPr>
         <p:spPr>
           <a:xfrm>
-            <a:off x="5316736" y="6718793"/>
-            <a:ext cx="1933162" cy="271741"/>
+            <a:off x="7058232" y="5934382"/>
+            <a:ext cx="2738500" cy="369332"/>
           </a:xfrm>
           <a:prstGeom prst="rect">
             <a:avLst/>
@@ -3228,30 +3176,331 @@
           </a:solidFill>
         </p:spPr>
         <p:txBody>
-          <a:bodyPr wrap="square" rtlCol="0">
+          <a:bodyPr wrap="square">
             <a:spAutoFit/>
           </a:bodyPr>
           <a:lstStyle/>
           <a:p>
             <a:r>
-              <a:rPr lang="en-US" sz="1166" dirty="0">
+              <a:rPr lang="en-US" sz="1800" dirty="0">
                 <a:solidFill>
-                  <a:srgbClr val="262626"/>
+                  <a:srgbClr val="272727"/>
                 </a:solidFill>
                 <a:latin typeface="Arial" panose="020B0604020202020204" pitchFamily="34" charset="0"/>
                 <a:cs typeface="Arial" panose="020B0604020202020204" pitchFamily="34" charset="0"/>
               </a:rPr>
-              <a:t>S1           S2          RdRp</a:t>
-            </a:r>
-          </a:p>
-        </p:txBody>
-      </p:sp>
-      <p:sp>
-        <p:nvSpPr>
-          <p:cNvPr id="18" name="Rectangle 17">
+              <a:t>membrane fusion protein  </a:t>
+            </a:r>
+          </a:p>
+        </p:txBody>
+      </p:sp>
+      <p:grpSp>
+        <p:nvGrpSpPr>
+          <p:cNvPr id="21" name="Group 20">
             <a:extLst>
               <a:ext uri="{FF2B5EF4-FFF2-40B4-BE49-F238E27FC236}">
-                <a16:creationId xmlns:a16="http://schemas.microsoft.com/office/drawing/2014/main" id="{E483E6C1-F115-6840-B91E-4FE8106BB316}"/>
+                <a16:creationId xmlns:a16="http://schemas.microsoft.com/office/drawing/2014/main" id="{7CF754EB-45A0-9141-86B9-906F69CE0102}"/>
+              </a:ext>
+            </a:extLst>
+          </p:cNvPr>
+          <p:cNvGrpSpPr/>
+          <p:nvPr/>
+        </p:nvGrpSpPr>
+        <p:grpSpPr>
+          <a:xfrm>
+            <a:off x="8286211" y="409575"/>
+            <a:ext cx="1236236" cy="1077218"/>
+            <a:chOff x="6962321" y="746125"/>
+            <a:chExt cx="1236236" cy="1077218"/>
+          </a:xfrm>
+        </p:grpSpPr>
+        <p:sp>
+          <p:nvSpPr>
+            <p:cNvPr id="15" name="TextBox 14">
+              <a:extLst>
+                <a:ext uri="{FF2B5EF4-FFF2-40B4-BE49-F238E27FC236}">
+                  <a16:creationId xmlns:a16="http://schemas.microsoft.com/office/drawing/2014/main" id="{FEBC1561-0C2B-DA48-87CE-4C1D41CC6729}"/>
+                </a:ext>
+              </a:extLst>
+            </p:cNvPr>
+            <p:cNvSpPr txBox="1"/>
+            <p:nvPr/>
+          </p:nvSpPr>
+          <p:spPr>
+            <a:xfrm>
+              <a:off x="6962321" y="746125"/>
+              <a:ext cx="1236236" cy="1077218"/>
+            </a:xfrm>
+            <a:prstGeom prst="rect">
+              <a:avLst/>
+            </a:prstGeom>
+            <a:solidFill>
+              <a:schemeClr val="bg1"/>
+            </a:solidFill>
+            <a:ln w="15875" cap="rnd">
+              <a:solidFill>
+                <a:srgbClr val="D6D6D6"/>
+              </a:solidFill>
+            </a:ln>
+          </p:spPr>
+          <p:txBody>
+            <a:bodyPr wrap="none" rtlCol="0">
+              <a:spAutoFit/>
+            </a:bodyPr>
+            <a:lstStyle/>
+            <a:p>
+              <a:r>
+                <a:rPr lang="en-US" sz="1600" dirty="0">
+                  <a:latin typeface="Arial" panose="020B0604020202020204" pitchFamily="34" charset="0"/>
+                  <a:cs typeface="Arial" panose="020B0604020202020204" pitchFamily="34" charset="0"/>
+                </a:rPr>
+                <a:t>     H3N2</a:t>
+              </a:r>
+            </a:p>
+            <a:p>
+              <a:r>
+                <a:rPr lang="en-US" sz="1600" dirty="0">
+                  <a:latin typeface="Arial" panose="020B0604020202020204" pitchFamily="34" charset="0"/>
+                  <a:cs typeface="Arial" panose="020B0604020202020204" pitchFamily="34" charset="0"/>
+                </a:rPr>
+                <a:t>     measles</a:t>
+              </a:r>
+            </a:p>
+            <a:p>
+              <a:r>
+                <a:rPr lang="en-US" sz="1600" dirty="0">
+                  <a:latin typeface="Arial" panose="020B0604020202020204" pitchFamily="34" charset="0"/>
+                  <a:cs typeface="Arial" panose="020B0604020202020204" pitchFamily="34" charset="0"/>
+                </a:rPr>
+                <a:t>     OC43A</a:t>
+              </a:r>
+            </a:p>
+            <a:p>
+              <a:r>
+                <a:rPr lang="en-US" sz="1600" dirty="0">
+                  <a:latin typeface="Arial" panose="020B0604020202020204" pitchFamily="34" charset="0"/>
+                  <a:cs typeface="Arial" panose="020B0604020202020204" pitchFamily="34" charset="0"/>
+                </a:rPr>
+                <a:t>     229E</a:t>
+              </a:r>
+            </a:p>
+          </p:txBody>
+        </p:sp>
+        <p:sp>
+          <p:nvSpPr>
+            <p:cNvPr id="16" name="Oval 15">
+              <a:extLst>
+                <a:ext uri="{FF2B5EF4-FFF2-40B4-BE49-F238E27FC236}">
+                  <a16:creationId xmlns:a16="http://schemas.microsoft.com/office/drawing/2014/main" id="{05BF58A1-F4D3-494F-B4AD-E24AA4F9D2CC}"/>
+                </a:ext>
+              </a:extLst>
+            </p:cNvPr>
+            <p:cNvSpPr/>
+            <p:nvPr/>
+          </p:nvSpPr>
+          <p:spPr>
+            <a:xfrm>
+              <a:off x="7058232" y="825500"/>
+              <a:ext cx="171243" cy="171243"/>
+            </a:xfrm>
+            <a:prstGeom prst="ellipse">
+              <a:avLst/>
+            </a:prstGeom>
+            <a:solidFill>
+              <a:schemeClr val="tx1"/>
+            </a:solidFill>
+            <a:ln>
+              <a:noFill/>
+            </a:ln>
+          </p:spPr>
+          <p:style>
+            <a:lnRef idx="2">
+              <a:schemeClr val="accent1">
+                <a:shade val="50000"/>
+              </a:schemeClr>
+            </a:lnRef>
+            <a:fillRef idx="1">
+              <a:schemeClr val="accent1"/>
+            </a:fillRef>
+            <a:effectRef idx="0">
+              <a:schemeClr val="accent1"/>
+            </a:effectRef>
+            <a:fontRef idx="minor">
+              <a:schemeClr val="lt1"/>
+            </a:fontRef>
+          </p:style>
+          <p:txBody>
+            <a:bodyPr rtlCol="0" anchor="ctr"/>
+            <a:lstStyle/>
+            <a:p>
+              <a:pPr algn="ctr"/>
+              <a:endParaRPr lang="en-US"/>
+            </a:p>
+          </p:txBody>
+        </p:sp>
+        <p:sp>
+          <p:nvSpPr>
+            <p:cNvPr id="18" name="Oval 17">
+              <a:extLst>
+                <a:ext uri="{FF2B5EF4-FFF2-40B4-BE49-F238E27FC236}">
+                  <a16:creationId xmlns:a16="http://schemas.microsoft.com/office/drawing/2014/main" id="{A8AF6EB9-48A9-694F-97AB-1096B1CC9B03}"/>
+                </a:ext>
+              </a:extLst>
+            </p:cNvPr>
+            <p:cNvSpPr/>
+            <p:nvPr/>
+          </p:nvSpPr>
+          <p:spPr>
+            <a:xfrm>
+              <a:off x="7058232" y="1076118"/>
+              <a:ext cx="171243" cy="171243"/>
+            </a:xfrm>
+            <a:prstGeom prst="ellipse">
+              <a:avLst/>
+            </a:prstGeom>
+            <a:solidFill>
+              <a:srgbClr val="B8B8B8"/>
+            </a:solidFill>
+            <a:ln>
+              <a:noFill/>
+            </a:ln>
+          </p:spPr>
+          <p:style>
+            <a:lnRef idx="2">
+              <a:schemeClr val="accent1">
+                <a:shade val="50000"/>
+              </a:schemeClr>
+            </a:lnRef>
+            <a:fillRef idx="1">
+              <a:schemeClr val="accent1"/>
+            </a:fillRef>
+            <a:effectRef idx="0">
+              <a:schemeClr val="accent1"/>
+            </a:effectRef>
+            <a:fontRef idx="minor">
+              <a:schemeClr val="lt1"/>
+            </a:fontRef>
+          </p:style>
+          <p:txBody>
+            <a:bodyPr rtlCol="0" anchor="ctr"/>
+            <a:lstStyle/>
+            <a:p>
+              <a:pPr algn="ctr"/>
+              <a:endParaRPr lang="en-US"/>
+            </a:p>
+          </p:txBody>
+        </p:sp>
+        <p:sp>
+          <p:nvSpPr>
+            <p:cNvPr id="19" name="Oval 18">
+              <a:extLst>
+                <a:ext uri="{FF2B5EF4-FFF2-40B4-BE49-F238E27FC236}">
+                  <a16:creationId xmlns:a16="http://schemas.microsoft.com/office/drawing/2014/main" id="{6C366A97-8968-7E45-B35A-2B4F79F97943}"/>
+                </a:ext>
+              </a:extLst>
+            </p:cNvPr>
+            <p:cNvSpPr/>
+            <p:nvPr/>
+          </p:nvSpPr>
+          <p:spPr>
+            <a:xfrm>
+              <a:off x="7058231" y="1326736"/>
+              <a:ext cx="171243" cy="171243"/>
+            </a:xfrm>
+            <a:prstGeom prst="ellipse">
+              <a:avLst/>
+            </a:prstGeom>
+            <a:solidFill>
+              <a:srgbClr val="CB4335"/>
+            </a:solidFill>
+            <a:ln>
+              <a:noFill/>
+            </a:ln>
+          </p:spPr>
+          <p:style>
+            <a:lnRef idx="2">
+              <a:schemeClr val="accent1">
+                <a:shade val="50000"/>
+              </a:schemeClr>
+            </a:lnRef>
+            <a:fillRef idx="1">
+              <a:schemeClr val="accent1"/>
+            </a:fillRef>
+            <a:effectRef idx="0">
+              <a:schemeClr val="accent1"/>
+            </a:effectRef>
+            <a:fontRef idx="minor">
+              <a:schemeClr val="lt1"/>
+            </a:fontRef>
+          </p:style>
+          <p:txBody>
+            <a:bodyPr rtlCol="0" anchor="ctr"/>
+            <a:lstStyle/>
+            <a:p>
+              <a:pPr algn="ctr"/>
+              <a:endParaRPr lang="en-US"/>
+            </a:p>
+          </p:txBody>
+        </p:sp>
+        <p:sp>
+          <p:nvSpPr>
+            <p:cNvPr id="20" name="Oval 19">
+              <a:extLst>
+                <a:ext uri="{FF2B5EF4-FFF2-40B4-BE49-F238E27FC236}">
+                  <a16:creationId xmlns:a16="http://schemas.microsoft.com/office/drawing/2014/main" id="{BE5B5242-8662-CC41-A180-1B1BEF04D6CC}"/>
+                </a:ext>
+              </a:extLst>
+            </p:cNvPr>
+            <p:cNvSpPr/>
+            <p:nvPr/>
+          </p:nvSpPr>
+          <p:spPr>
+            <a:xfrm>
+              <a:off x="7058231" y="1575039"/>
+              <a:ext cx="171243" cy="171243"/>
+            </a:xfrm>
+            <a:prstGeom prst="ellipse">
+              <a:avLst/>
+            </a:prstGeom>
+            <a:solidFill>
+              <a:srgbClr val="2E86C1"/>
+            </a:solidFill>
+            <a:ln>
+              <a:noFill/>
+            </a:ln>
+          </p:spPr>
+          <p:style>
+            <a:lnRef idx="2">
+              <a:schemeClr val="accent1">
+                <a:shade val="50000"/>
+              </a:schemeClr>
+            </a:lnRef>
+            <a:fillRef idx="1">
+              <a:schemeClr val="accent1"/>
+            </a:fillRef>
+            <a:effectRef idx="0">
+              <a:schemeClr val="accent1"/>
+            </a:effectRef>
+            <a:fontRef idx="minor">
+              <a:schemeClr val="lt1"/>
+            </a:fontRef>
+          </p:style>
+          <p:txBody>
+            <a:bodyPr rtlCol="0" anchor="ctr"/>
+            <a:lstStyle/>
+            <a:p>
+              <a:pPr algn="ctr"/>
+              <a:endParaRPr lang="en-US"/>
+            </a:p>
+          </p:txBody>
+        </p:sp>
+      </p:grpSp>
+      <p:sp>
+        <p:nvSpPr>
+          <p:cNvPr id="22" name="Rectangle 21">
+            <a:extLst>
+              <a:ext uri="{FF2B5EF4-FFF2-40B4-BE49-F238E27FC236}">
+                <a16:creationId xmlns:a16="http://schemas.microsoft.com/office/drawing/2014/main" id="{7980E8E7-47AF-0E40-9A96-9198A1414559}"/>
               </a:ext>
             </a:extLst>
           </p:cNvPr>
@@ -3260,8 +3509,8 @@
         </p:nvSpPr>
         <p:spPr>
           <a:xfrm>
-            <a:off x="3270210" y="326574"/>
-            <a:ext cx="1859805" cy="271741"/>
+            <a:off x="558409" y="862124"/>
+            <a:ext cx="470000" cy="338554"/>
           </a:xfrm>
           <a:prstGeom prst="rect">
             <a:avLst/>
@@ -3277,24 +3526,24 @@
           <a:lstStyle/>
           <a:p>
             <a:r>
-              <a:rPr lang="en-US" sz="1166" dirty="0">
+              <a:rPr lang="en-US" sz="1600" dirty="0">
                 <a:solidFill>
-                  <a:srgbClr val="262626"/>
+                  <a:srgbClr val="272727"/>
                 </a:solidFill>
                 <a:latin typeface="Arial" panose="020B0604020202020204" pitchFamily="34" charset="0"/>
                 <a:cs typeface="Arial" panose="020B0604020202020204" pitchFamily="34" charset="0"/>
               </a:rPr>
-              <a:t>Moderate Recombination</a:t>
-            </a:r>
-          </a:p>
-        </p:txBody>
-      </p:sp>
-      <p:sp>
-        <p:nvSpPr>
-          <p:cNvPr id="19" name="Rectangle 18">
+              <a:t>2.0</a:t>
+            </a:r>
+          </a:p>
+        </p:txBody>
+      </p:sp>
+      <p:sp>
+        <p:nvSpPr>
+          <p:cNvPr id="23" name="Rectangle 22">
             <a:extLst>
               <a:ext uri="{FF2B5EF4-FFF2-40B4-BE49-F238E27FC236}">
-                <a16:creationId xmlns:a16="http://schemas.microsoft.com/office/drawing/2014/main" id="{8F302A82-FCD6-B843-A48D-160FE7F6D1BE}"/>
+                <a16:creationId xmlns:a16="http://schemas.microsoft.com/office/drawing/2014/main" id="{97482477-8AA6-8540-8FA7-0DE7A7BB9392}"/>
               </a:ext>
             </a:extLst>
           </p:cNvPr>
@@ -3303,8 +3552,8 @@
         </p:nvSpPr>
         <p:spPr>
           <a:xfrm>
-            <a:off x="5432398" y="325819"/>
-            <a:ext cx="1534394" cy="271741"/>
+            <a:off x="558409" y="1998557"/>
+            <a:ext cx="470000" cy="338554"/>
           </a:xfrm>
           <a:prstGeom prst="rect">
             <a:avLst/>
@@ -3320,24 +3569,24 @@
           <a:lstStyle/>
           <a:p>
             <a:r>
-              <a:rPr lang="en-US" sz="1166" dirty="0">
+              <a:rPr lang="en-US" sz="1600" dirty="0">
                 <a:solidFill>
-                  <a:srgbClr val="262626"/>
+                  <a:srgbClr val="272727"/>
                 </a:solidFill>
                 <a:latin typeface="Arial" panose="020B0604020202020204" pitchFamily="34" charset="0"/>
                 <a:cs typeface="Arial" panose="020B0604020202020204" pitchFamily="34" charset="0"/>
               </a:rPr>
-              <a:t>High Recombination</a:t>
-            </a:r>
-          </a:p>
-        </p:txBody>
-      </p:sp>
-      <p:sp>
-        <p:nvSpPr>
-          <p:cNvPr id="20" name="Rectangle 19">
+              <a:t>1.5</a:t>
+            </a:r>
+          </a:p>
+        </p:txBody>
+      </p:sp>
+      <p:sp>
+        <p:nvSpPr>
+          <p:cNvPr id="24" name="Rectangle 23">
             <a:extLst>
               <a:ext uri="{FF2B5EF4-FFF2-40B4-BE49-F238E27FC236}">
-                <a16:creationId xmlns:a16="http://schemas.microsoft.com/office/drawing/2014/main" id="{D2B8E278-9468-EF40-98F9-9BF47DA8EDD5}"/>
+                <a16:creationId xmlns:a16="http://schemas.microsoft.com/office/drawing/2014/main" id="{64EAEC00-0CF0-F841-BD66-26E475BAA8EA}"/>
               </a:ext>
             </a:extLst>
           </p:cNvPr>
@@ -3346,8 +3595,8 @@
         </p:nvSpPr>
         <p:spPr>
           <a:xfrm>
-            <a:off x="1358476" y="325818"/>
-            <a:ext cx="1417376" cy="271741"/>
+            <a:off x="558409" y="3134990"/>
+            <a:ext cx="470000" cy="338554"/>
           </a:xfrm>
           <a:prstGeom prst="rect">
             <a:avLst/>
@@ -3363,34 +3612,34 @@
           <a:lstStyle/>
           <a:p>
             <a:r>
-              <a:rPr lang="en-US" sz="1166" dirty="0">
+              <a:rPr lang="en-US" sz="1600" dirty="0">
                 <a:solidFill>
-                  <a:srgbClr val="262626"/>
+                  <a:srgbClr val="272727"/>
                 </a:solidFill>
                 <a:latin typeface="Arial" panose="020B0604020202020204" pitchFamily="34" charset="0"/>
                 <a:cs typeface="Arial" panose="020B0604020202020204" pitchFamily="34" charset="0"/>
               </a:rPr>
-              <a:t>No Recombination</a:t>
-            </a:r>
-          </a:p>
-        </p:txBody>
-      </p:sp>
-      <p:sp>
-        <p:nvSpPr>
-          <p:cNvPr id="15" name="TextBox 14">
+              <a:t>1.0</a:t>
+            </a:r>
+          </a:p>
+        </p:txBody>
+      </p:sp>
+      <p:sp>
+        <p:nvSpPr>
+          <p:cNvPr id="25" name="Rectangle 24">
             <a:extLst>
               <a:ext uri="{FF2B5EF4-FFF2-40B4-BE49-F238E27FC236}">
-                <a16:creationId xmlns:a16="http://schemas.microsoft.com/office/drawing/2014/main" id="{2A05E446-965D-3F43-B699-010AE46EE397}"/>
+                <a16:creationId xmlns:a16="http://schemas.microsoft.com/office/drawing/2014/main" id="{B2CB6D8B-8A58-8149-8E02-2FDA5C8FBF4D}"/>
               </a:ext>
             </a:extLst>
           </p:cNvPr>
-          <p:cNvSpPr txBox="1"/>
+          <p:cNvSpPr/>
           <p:nvPr/>
         </p:nvSpPr>
         <p:spPr>
-          <a:xfrm rot="5400000">
-            <a:off x="6283317" y="5615589"/>
-            <a:ext cx="1933162" cy="271741"/>
+          <a:xfrm>
+            <a:off x="558409" y="4271423"/>
+            <a:ext cx="470000" cy="338554"/>
           </a:xfrm>
           <a:prstGeom prst="rect">
             <a:avLst/>
@@ -3400,30 +3649,30 @@
           </a:solidFill>
         </p:spPr>
         <p:txBody>
-          <a:bodyPr wrap="square" rtlCol="0">
+          <a:bodyPr wrap="none">
             <a:spAutoFit/>
           </a:bodyPr>
           <a:lstStyle/>
           <a:p>
             <a:r>
-              <a:rPr lang="en-US" sz="1166" dirty="0">
+              <a:rPr lang="en-US" sz="1600" dirty="0">
                 <a:solidFill>
-                  <a:srgbClr val="262626"/>
+                  <a:srgbClr val="272727"/>
                 </a:solidFill>
                 <a:latin typeface="Arial" panose="020B0604020202020204" pitchFamily="34" charset="0"/>
                 <a:cs typeface="Arial" panose="020B0604020202020204" pitchFamily="34" charset="0"/>
               </a:rPr>
-              <a:t>High Positive Selection</a:t>
-            </a:r>
-          </a:p>
-        </p:txBody>
-      </p:sp>
-      <p:sp>
-        <p:nvSpPr>
-          <p:cNvPr id="16" name="Rectangle 15">
+              <a:t>0.5</a:t>
+            </a:r>
+          </a:p>
+        </p:txBody>
+      </p:sp>
+      <p:sp>
+        <p:nvSpPr>
+          <p:cNvPr id="26" name="Rectangle 25">
             <a:extLst>
               <a:ext uri="{FF2B5EF4-FFF2-40B4-BE49-F238E27FC236}">
-                <a16:creationId xmlns:a16="http://schemas.microsoft.com/office/drawing/2014/main" id="{133C35DA-DA08-7048-B143-AC2D2386E6C6}"/>
+                <a16:creationId xmlns:a16="http://schemas.microsoft.com/office/drawing/2014/main" id="{B01355F1-4AD3-2647-9CB6-1B2A9EFE612D}"/>
               </a:ext>
             </a:extLst>
           </p:cNvPr>
@@ -3431,9 +3680,9 @@
           <p:nvPr/>
         </p:nvSpPr>
         <p:spPr>
-          <a:xfrm rot="5400000">
-            <a:off x="6227827" y="3433488"/>
-            <a:ext cx="2044149" cy="271741"/>
+          <a:xfrm>
+            <a:off x="558409" y="5404834"/>
+            <a:ext cx="470000" cy="338554"/>
           </a:xfrm>
           <a:prstGeom prst="rect">
             <a:avLst/>
@@ -3449,57 +3698,14 @@
           <a:lstStyle/>
           <a:p>
             <a:r>
-              <a:rPr lang="en-US" sz="1166" dirty="0">
+              <a:rPr lang="en-US" sz="1600" dirty="0">
                 <a:solidFill>
-                  <a:srgbClr val="262626"/>
+                  <a:srgbClr val="272727"/>
                 </a:solidFill>
                 <a:latin typeface="Arial" panose="020B0604020202020204" pitchFamily="34" charset="0"/>
                 <a:cs typeface="Arial" panose="020B0604020202020204" pitchFamily="34" charset="0"/>
               </a:rPr>
-              <a:t>Moderate Positive Selection</a:t>
-            </a:r>
-          </a:p>
-        </p:txBody>
-      </p:sp>
-      <p:sp>
-        <p:nvSpPr>
-          <p:cNvPr id="17" name="Rectangle 16">
-            <a:extLst>
-              <a:ext uri="{FF2B5EF4-FFF2-40B4-BE49-F238E27FC236}">
-                <a16:creationId xmlns:a16="http://schemas.microsoft.com/office/drawing/2014/main" id="{B207638B-282C-4048-A6BB-AC1183AF0AFF}"/>
-              </a:ext>
-            </a:extLst>
-          </p:cNvPr>
-          <p:cNvSpPr/>
-          <p:nvPr/>
-        </p:nvSpPr>
-        <p:spPr>
-          <a:xfrm rot="5400000">
-            <a:off x="6449041" y="1312476"/>
-            <a:ext cx="1601721" cy="271741"/>
-          </a:xfrm>
-          <a:prstGeom prst="rect">
-            <a:avLst/>
-          </a:prstGeom>
-          <a:solidFill>
-            <a:schemeClr val="bg1"/>
-          </a:solidFill>
-        </p:spPr>
-        <p:txBody>
-          <a:bodyPr wrap="none">
-            <a:spAutoFit/>
-          </a:bodyPr>
-          <a:lstStyle/>
-          <a:p>
-            <a:r>
-              <a:rPr lang="en-US" sz="1166" dirty="0">
-                <a:solidFill>
-                  <a:srgbClr val="262626"/>
-                </a:solidFill>
-                <a:latin typeface="Arial" panose="020B0604020202020204" pitchFamily="34" charset="0"/>
-                <a:cs typeface="Arial" panose="020B0604020202020204" pitchFamily="34" charset="0"/>
-              </a:rPr>
-              <a:t>No Positive Selection</a:t>
+              <a:t>0.0</a:t>
             </a:r>
           </a:p>
         </p:txBody>
@@ -3507,7 +3713,7 @@
     </p:spTree>
     <p:extLst>
       <p:ext uri="{BB962C8B-B14F-4D97-AF65-F5344CB8AC3E}">
-        <p14:creationId xmlns:p14="http://schemas.microsoft.com/office/powerpoint/2010/main" val="401716543"/>
+        <p14:creationId xmlns:p14="http://schemas.microsoft.com/office/powerpoint/2010/main" val="2448537816"/>
       </p:ext>
     </p:extLst>
   </p:cSld>
